--- a/blog/Lucene/Search/QueryCache/queryCache/SIMD.pptx
+++ b/blog/Lucene/Search/QueryCache/queryCache/SIMD.pptx
@@ -1,17 +1,20 @@
 
 <file path=ppt/presentation.xml><?xml version="1.0" encoding="utf-8"?>
-<p:presentation xmlns:a="http://schemas.openxmlformats.org/drawingml/2006/main" xmlns:r="http://schemas.openxmlformats.org/officeDocument/2006/relationships" xmlns:p="http://schemas.openxmlformats.org/presentationml/2006/main" saveSubsetFonts="1" autoCompressPictures="0">
+<p:presentation xmlns:a="http://schemas.openxmlformats.org/drawingml/2006/main" xmlns:r="http://schemas.openxmlformats.org/officeDocument/2006/relationships" xmlns:p="http://schemas.openxmlformats.org/presentationml/2006/main" autoCompressPictures="0">
   <p:sldMasterIdLst>
     <p:sldMasterId id="2147483648" r:id="rId1"/>
   </p:sldMasterIdLst>
   <p:sldIdLst>
-    <p:sldId id="256" r:id="rId2"/>
+    <p:sldId id="256" r:id="rId3"/>
   </p:sldIdLst>
   <p:sldSz cx="12192000" cy="6858000"/>
   <p:notesSz cx="6858000" cy="9144000"/>
+  <p:custDataLst>
+    <p:tags r:id="rId8"/>
+  </p:custDataLst>
   <p:defaultTextStyle>
     <a:defPPr>
-      <a:defRPr lang="en-CN"/>
+      <a:defRPr lang="en-US"/>
     </a:defPPr>
     <a:lvl1pPr marL="0" algn="l" defTabSz="914400" rtl="0" eaLnBrk="1" latinLnBrk="0" hangingPunct="1">
       <a:defRPr sz="1800" kern="1200">
@@ -104,28 +107,17 @@
       </a:defRPr>
     </a:lvl9pPr>
   </p:defaultTextStyle>
-  <p:extLst>
-    <p:ext uri="{EFAFB233-063F-42B5-8137-9DF3F51BA10A}">
-      <p15:sldGuideLst xmlns:p15="http://schemas.microsoft.com/office/powerpoint/2012/main"/>
-    </p:ext>
-  </p:extLst>
 </p:presentation>
 </file>
 
 <file path=ppt/commentAuthors.xml><?xml version="1.0" encoding="utf-8"?>
 <p:cmAuthorLst xmlns:a="http://schemas.openxmlformats.org/drawingml/2006/main" xmlns:r="http://schemas.openxmlformats.org/officeDocument/2006/relationships" xmlns:p="http://schemas.openxmlformats.org/presentationml/2006/main">
-  <p:cmAuthor id="1" name="Xugang Lu 陆徐刚" initials="XL陆" lastIdx="1" clrIdx="0">
-    <p:extLst>
-      <p:ext uri="{19B8F6BF-5375-455C-9EA6-DF929625EA0E}">
-        <p15:presenceInfo xmlns:p15="http://schemas.microsoft.com/office/powerpoint/2012/main" userId="S::xugang.lu@eoitek.com::d43ba562-8fac-45d2-b7bf-96e94bbed053" providerId="AD"/>
-      </p:ext>
-    </p:extLst>
-  </p:cmAuthor>
+  <p:cmAuthor id="1" name="Xugang Lu 陆徐刚" initials="XL陆" lastIdx="1" clrIdx="0"/>
 </p:cmAuthorLst>
 </file>
 
 <file path=ppt/charts/chart1.xml><?xml version="1.0" encoding="utf-8"?>
-<c:chartSpace xmlns:c="http://schemas.openxmlformats.org/drawingml/2006/chart" xmlns:a="http://schemas.openxmlformats.org/drawingml/2006/main" xmlns:r="http://schemas.openxmlformats.org/officeDocument/2006/relationships" xmlns:c16r2="http://schemas.microsoft.com/office/drawing/2015/06/chart">
+<c:chartSpace xmlns:c="http://schemas.openxmlformats.org/drawingml/2006/chart" xmlns:a="http://schemas.openxmlformats.org/drawingml/2006/main" xmlns:r="http://schemas.openxmlformats.org/officeDocument/2006/relationships">
   <c:date1904 val="0"/>
   <c:lang val="zh-CN"/>
   <c:roundedCorners val="0"/>
@@ -138,7 +130,7 @@
     </mc:Fallback>
   </mc:AlternateContent>
   <c:chart>
-    <c:autoTitleDeleted val="0"/>
+    <c:autoTitleDeleted val="1"/>
     <c:plotArea>
       <c:layout/>
       <c:scatterChart>
@@ -196,335 +188,170 @@
               </a:effectLst>
             </c:spPr>
           </c:marker>
+          <c:dLbls>
+            <c:numFmt formatCode="0_);[Red]\(0\)" sourceLinked="0"/>
+            <c:spPr>
+              <a:noFill/>
+              <a:ln>
+                <a:noFill/>
+              </a:ln>
+              <a:effectLst/>
+            </c:spPr>
+            <c:txPr>
+              <a:bodyPr rot="0" spcFirstLastPara="0" vertOverflow="ellipsis" vert="horz" wrap="square" lIns="38100" tIns="19050" rIns="38100" bIns="19050" anchor="ctr" anchorCtr="1"/>
+              <a:lstStyle/>
+              <a:p>
+                <a:pPr>
+                  <a:defRPr lang="zh-CN" sz="1195" b="0" i="0" u="none" strike="noStrike" kern="1200" baseline="0">
+                    <a:solidFill>
+                      <a:schemeClr val="lt1">
+                        <a:lumMod val="75000"/>
+                      </a:schemeClr>
+                    </a:solidFill>
+                    <a:latin typeface="+mn-lt"/>
+                    <a:ea typeface="+mn-ea"/>
+                    <a:cs typeface="+mn-cs"/>
+                  </a:defRPr>
+                </a:pPr>
+              </a:p>
+            </c:txPr>
+            <c:dLblPos val="t"/>
+            <c:showLegendKey val="0"/>
+            <c:showVal val="1"/>
+            <c:showCatName val="0"/>
+            <c:showSerName val="0"/>
+            <c:showPercent val="0"/>
+            <c:showBubbleSize val="0"/>
+            <c:showLeaderLines val="0"/>
+            <c:extLst>
+              <c:ext xmlns:c15="http://schemas.microsoft.com/office/drawing/2012/chart" uri="{CE6537A1-D6FC-4f65-9D91-7224C49458BB}">
+                <c15:layout/>
+                <c15:showLeaderLines val="1"/>
+                <c15:leaderLines>
+                  <c:spPr>
+                    <a:ln w="9525">
+                      <a:solidFill>
+                        <a:schemeClr val="lt1">
+                          <a:lumMod val="50000"/>
+                        </a:schemeClr>
+                      </a:solidFill>
+                      <a:round/>
+                    </a:ln>
+                    <a:effectLst/>
+                  </c:spPr>
+                </c15:leaderLines>
+              </c:ext>
+            </c:extLst>
+          </c:dLbls>
           <c:xVal>
             <c:numRef>
-              <c:f>Sheet1!$A$2:$A$20</c:f>
+              <c:f>Sheet1!$A$2:$A$16</c:f>
               <c:numCache>
                 <c:formatCode>General</c:formatCode>
-                <c:ptCount val="19"/>
+                <c:ptCount val="15"/>
                 <c:pt idx="0">
+                  <c:v>0</c:v>
+                </c:pt>
+                <c:pt idx="1">
                   <c:v>1</c:v>
                 </c:pt>
-                <c:pt idx="1">
+                <c:pt idx="2">
                   <c:v>2</c:v>
                 </c:pt>
-                <c:pt idx="2">
+                <c:pt idx="3">
                   <c:v>3</c:v>
                 </c:pt>
-                <c:pt idx="3">
+                <c:pt idx="4">
                   <c:v>4</c:v>
                 </c:pt>
-                <c:pt idx="4">
+                <c:pt idx="5">
                   <c:v>5</c:v>
                 </c:pt>
-                <c:pt idx="5">
+                <c:pt idx="6">
                   <c:v>6</c:v>
                 </c:pt>
-                <c:pt idx="6">
+                <c:pt idx="7">
                   <c:v>7</c:v>
                 </c:pt>
-                <c:pt idx="7">
+                <c:pt idx="8">
                   <c:v>8</c:v>
                 </c:pt>
-                <c:pt idx="8">
+                <c:pt idx="9">
                   <c:v>9</c:v>
                 </c:pt>
-                <c:pt idx="9">
+                <c:pt idx="10">
                   <c:v>10</c:v>
                 </c:pt>
-                <c:pt idx="10">
+                <c:pt idx="11">
                   <c:v>11</c:v>
                 </c:pt>
-                <c:pt idx="11">
+                <c:pt idx="12">
                   <c:v>12</c:v>
                 </c:pt>
-                <c:pt idx="12">
+                <c:pt idx="13">
                   <c:v>13</c:v>
                 </c:pt>
-                <c:pt idx="13">
+                <c:pt idx="14">
                   <c:v>14</c:v>
-                </c:pt>
-                <c:pt idx="14">
-                  <c:v>15</c:v>
-                </c:pt>
-                <c:pt idx="15">
-                  <c:v>16</c:v>
-                </c:pt>
-                <c:pt idx="16">
-                  <c:v>17</c:v>
-                </c:pt>
-                <c:pt idx="17">
-                  <c:v>18</c:v>
-                </c:pt>
-                <c:pt idx="18">
-                  <c:v>19</c:v>
                 </c:pt>
               </c:numCache>
             </c:numRef>
           </c:xVal>
           <c:yVal>
             <c:numRef>
-              <c:f>Sheet1!$B$2:$B$20</c:f>
+              <c:f>Sheet1!$B$2:$B$16</c:f>
               <c:numCache>
                 <c:formatCode>General</c:formatCode>
-                <c:ptCount val="19"/>
+                <c:ptCount val="15"/>
                 <c:pt idx="0">
-                  <c:v>14</c:v>
+                  <c:v>353</c:v>
                 </c:pt>
                 <c:pt idx="1">
-                  <c:v>12</c:v>
+                  <c:v>326</c:v>
                 </c:pt>
                 <c:pt idx="2">
-                  <c:v>11</c:v>
+                  <c:v>287</c:v>
                 </c:pt>
                 <c:pt idx="3">
-                  <c:v>1</c:v>
+                  <c:v>16812</c:v>
                 </c:pt>
                 <c:pt idx="4">
-                  <c:v>11</c:v>
+                  <c:v>253</c:v>
                 </c:pt>
                 <c:pt idx="5">
-                  <c:v>13</c:v>
+                  <c:v>150</c:v>
                 </c:pt>
                 <c:pt idx="6">
-                  <c:v>8</c:v>
+                  <c:v>132</c:v>
                 </c:pt>
                 <c:pt idx="7">
-                  <c:v>9</c:v>
+                  <c:v>186</c:v>
                 </c:pt>
                 <c:pt idx="8">
-                  <c:v>18</c:v>
+                  <c:v>160</c:v>
                 </c:pt>
                 <c:pt idx="9">
-                  <c:v>1</c:v>
+                  <c:v>145</c:v>
                 </c:pt>
                 <c:pt idx="10">
-                  <c:v>1</c:v>
+                  <c:v>139</c:v>
                 </c:pt>
                 <c:pt idx="11">
-                  <c:v>11</c:v>
+                  <c:v>120</c:v>
                 </c:pt>
                 <c:pt idx="12">
-                  <c:v>4</c:v>
+                  <c:v>126</c:v>
                 </c:pt>
                 <c:pt idx="13">
-                  <c:v>6</c:v>
+                  <c:v>134</c:v>
                 </c:pt>
                 <c:pt idx="14">
-                  <c:v>9</c:v>
-                </c:pt>
-                <c:pt idx="15">
-                  <c:v>21</c:v>
-                </c:pt>
-                <c:pt idx="16">
-                  <c:v>12</c:v>
-                </c:pt>
-                <c:pt idx="17">
-                  <c:v>13</c:v>
-                </c:pt>
-                <c:pt idx="18">
-                  <c:v>1</c:v>
+                  <c:v>189</c:v>
                 </c:pt>
               </c:numCache>
             </c:numRef>
           </c:yVal>
           <c:smooth val="1"/>
-          <c:extLst>
-            <c:ext xmlns:c16="http://schemas.microsoft.com/office/drawing/2014/chart" uri="{C3380CC4-5D6E-409C-BE32-E72D297353CC}">
-              <c16:uniqueId val="{00000000-B978-9147-9A54-0C79AAA4BDBA}"/>
-            </c:ext>
-          </c:extLst>
-        </c:ser>
-        <c:ser>
-          <c:idx val="1"/>
-          <c:order val="1"/>
-          <c:tx>
-            <c:strRef>
-              <c:f>Sheet1!$C$1</c:f>
-              <c:strCache>
-                <c:ptCount val="1"/>
-                <c:pt idx="0">
-                  <c:v>X 值2</c:v>
-                </c:pt>
-              </c:strCache>
-            </c:strRef>
-          </c:tx>
-          <c:spPr>
-            <a:ln w="22225" cap="rnd">
-              <a:solidFill>
-                <a:schemeClr val="accent2"/>
-              </a:solidFill>
-            </a:ln>
-            <a:effectLst>
-              <a:glow rad="139700">
-                <a:schemeClr val="accent2">
-                  <a:satMod val="175000"/>
-                  <a:alpha val="14000"/>
-                </a:schemeClr>
-              </a:glow>
-            </a:effectLst>
-          </c:spPr>
-          <c:marker>
-            <c:symbol val="circle"/>
-            <c:size val="3"/>
-            <c:spPr>
-              <a:solidFill>
-                <a:schemeClr val="accent2">
-                  <a:lumMod val="60000"/>
-                  <a:lumOff val="40000"/>
-                </a:schemeClr>
-              </a:solidFill>
-              <a:ln>
-                <a:noFill/>
-              </a:ln>
-              <a:effectLst>
-                <a:glow rad="63500">
-                  <a:schemeClr val="accent2">
-                    <a:satMod val="175000"/>
-                    <a:alpha val="25000"/>
-                  </a:schemeClr>
-                </a:glow>
-              </a:effectLst>
-            </c:spPr>
-          </c:marker>
-          <c:xVal>
-            <c:numRef>
-              <c:f>Sheet1!$A$2:$A$20</c:f>
-              <c:numCache>
-                <c:formatCode>General</c:formatCode>
-                <c:ptCount val="19"/>
-                <c:pt idx="0">
-                  <c:v>1</c:v>
-                </c:pt>
-                <c:pt idx="1">
-                  <c:v>2</c:v>
-                </c:pt>
-                <c:pt idx="2">
-                  <c:v>3</c:v>
-                </c:pt>
-                <c:pt idx="3">
-                  <c:v>4</c:v>
-                </c:pt>
-                <c:pt idx="4">
-                  <c:v>5</c:v>
-                </c:pt>
-                <c:pt idx="5">
-                  <c:v>6</c:v>
-                </c:pt>
-                <c:pt idx="6">
-                  <c:v>7</c:v>
-                </c:pt>
-                <c:pt idx="7">
-                  <c:v>8</c:v>
-                </c:pt>
-                <c:pt idx="8">
-                  <c:v>9</c:v>
-                </c:pt>
-                <c:pt idx="9">
-                  <c:v>10</c:v>
-                </c:pt>
-                <c:pt idx="10">
-                  <c:v>11</c:v>
-                </c:pt>
-                <c:pt idx="11">
-                  <c:v>12</c:v>
-                </c:pt>
-                <c:pt idx="12">
-                  <c:v>13</c:v>
-                </c:pt>
-                <c:pt idx="13">
-                  <c:v>14</c:v>
-                </c:pt>
-                <c:pt idx="14">
-                  <c:v>15</c:v>
-                </c:pt>
-                <c:pt idx="15">
-                  <c:v>16</c:v>
-                </c:pt>
-                <c:pt idx="16">
-                  <c:v>17</c:v>
-                </c:pt>
-                <c:pt idx="17">
-                  <c:v>18</c:v>
-                </c:pt>
-                <c:pt idx="18">
-                  <c:v>19</c:v>
-                </c:pt>
-              </c:numCache>
-            </c:numRef>
-          </c:xVal>
-          <c:yVal>
-            <c:numRef>
-              <c:f>Sheet1!$C$2:$C$20</c:f>
-              <c:numCache>
-                <c:formatCode>General</c:formatCode>
-                <c:ptCount val="19"/>
-                <c:pt idx="0">
-                  <c:v>38</c:v>
-                </c:pt>
-                <c:pt idx="1">
-                  <c:v>19</c:v>
-                </c:pt>
-                <c:pt idx="2">
-                  <c:v>26</c:v>
-                </c:pt>
-                <c:pt idx="3">
-                  <c:v>28</c:v>
-                </c:pt>
-                <c:pt idx="4">
-                  <c:v>30</c:v>
-                </c:pt>
-                <c:pt idx="5">
-                  <c:v>27</c:v>
-                </c:pt>
-                <c:pt idx="6">
-                  <c:v>34</c:v>
-                </c:pt>
-                <c:pt idx="7">
-                  <c:v>21</c:v>
-                </c:pt>
-                <c:pt idx="8">
-                  <c:v>15</c:v>
-                </c:pt>
-                <c:pt idx="9">
-                  <c:v>37</c:v>
-                </c:pt>
-                <c:pt idx="10">
-                  <c:v>35</c:v>
-                </c:pt>
-                <c:pt idx="11">
-                  <c:v>36</c:v>
-                </c:pt>
-                <c:pt idx="12">
-                  <c:v>39</c:v>
-                </c:pt>
-                <c:pt idx="13">
-                  <c:v>22</c:v>
-                </c:pt>
-                <c:pt idx="14">
-                  <c:v>31</c:v>
-                </c:pt>
-                <c:pt idx="15">
-                  <c:v>41</c:v>
-                </c:pt>
-                <c:pt idx="16">
-                  <c:v>50</c:v>
-                </c:pt>
-                <c:pt idx="17">
-                  <c:v>30</c:v>
-                </c:pt>
-                <c:pt idx="18">
-                  <c:v>28</c:v>
-                </c:pt>
-              </c:numCache>
-            </c:numRef>
-          </c:yVal>
-          <c:smooth val="1"/>
-          <c:extLst>
-            <c:ext xmlns:c16="http://schemas.microsoft.com/office/drawing/2014/chart" uri="{C3380CC4-5D6E-409C-BE32-E72D297353CC}">
-              <c16:uniqueId val="{00000004-B978-9147-9A54-0C79AAA4BDBA}"/>
-            </c:ext>
-          </c:extLst>
         </c:ser>
         <c:dLbls>
           <c:showLegendKey val="0"/>
@@ -565,8 +392,9 @@
         <c:tickLblPos val="nextTo"/>
         <c:spPr>
           <a:noFill/>
-          <a:ln>
+          <a:ln w="9525" cap="flat" cmpd="sng" algn="ctr">
             <a:noFill/>
+            <a:round/>
           </a:ln>
           <a:effectLst/>
         </c:spPr>
@@ -575,7 +403,7 @@
           <a:lstStyle/>
           <a:p>
             <a:pPr>
-              <a:defRPr sz="1197" b="0" i="0" u="none" strike="noStrike" kern="1200" baseline="0">
+              <a:defRPr lang="zh-CN" sz="1195" b="0" i="0" u="none" strike="noStrike" kern="1200" baseline="0">
                 <a:solidFill>
                   <a:schemeClr val="lt1">
                     <a:lumMod val="75000"/>
@@ -586,12 +414,12 @@
                 <a:cs typeface="+mn-cs"/>
               </a:defRPr>
             </a:pPr>
-            <a:endParaRPr lang="zh-CN"/>
           </a:p>
         </c:txPr>
         <c:crossAx val="371559455"/>
         <c:crosses val="autoZero"/>
         <c:crossBetween val="midCat"/>
+        <c:majorUnit val="1"/>
       </c:valAx>
       <c:valAx>
         <c:axId val="371559455"/>
@@ -615,7 +443,7 @@
             <a:effectLst/>
           </c:spPr>
         </c:majorGridlines>
-        <c:numFmt formatCode="General" sourceLinked="1"/>
+        <c:numFmt formatCode="General" sourceLinked="0"/>
         <c:majorTickMark val="none"/>
         <c:minorTickMark val="none"/>
         <c:tickLblPos val="nextTo"/>
@@ -636,7 +464,7 @@
           <a:lstStyle/>
           <a:p>
             <a:pPr>
-              <a:defRPr sz="1197" b="0" i="0" u="none" strike="noStrike" kern="1200" baseline="0">
+              <a:defRPr lang="zh-CN" sz="1195" b="0" i="0" u="none" strike="noStrike" kern="1200" baseline="0">
                 <a:solidFill>
                   <a:schemeClr val="lt1">
                     <a:lumMod val="75000"/>
@@ -647,7 +475,6 @@
                 <a:cs typeface="+mn-cs"/>
               </a:defRPr>
             </a:pPr>
-            <a:endParaRPr lang="zh-CN"/>
           </a:p>
         </c:txPr>
         <c:crossAx val="371557807"/>
@@ -664,13 +491,6 @@
     </c:plotArea>
     <c:plotVisOnly val="1"/>
     <c:dispBlanksAs val="gap"/>
-    <c:extLst>
-      <c:ext xmlns:c16r3="http://schemas.microsoft.com/office/drawing/2017/03/chart" uri="{56B9EC1D-385E-4148-901F-78D8002777C0}">
-        <c16r3:dataDisplayOptions16>
-          <c16r3:dispNaAsBlank val="1"/>
-        </c16r3:dataDisplayOptions16>
-      </c:ext>
-    </c:extLst>
     <c:showDLblsOverMax val="0"/>
   </c:chart>
   <c:spPr>
@@ -696,12 +516,11 @@
     <a:lstStyle/>
     <a:p>
       <a:pPr>
-        <a:defRPr/>
+        <a:defRPr lang="zh-CN"/>
       </a:pPr>
-      <a:endParaRPr lang="zh-CN"/>
     </a:p>
   </c:txPr>
-  <c:externalData r:id="rId3">
+  <c:externalData r:id="rId1">
     <c:autoUpdate val="0"/>
   </c:externalData>
 </c:chartSpace>
@@ -758,7 +577,7 @@
         <a:lumMod val="75000"/>
       </a:schemeClr>
     </cs:fontRef>
-    <cs:defRPr sz="1197" b="1" kern="1200"/>
+    <cs:defRPr sz="1195" b="1" kern="1200"/>
   </cs:axisTitle>
   <cs:categoryAxis>
     <cs:lnRef idx="0"/>
@@ -769,7 +588,7 @@
         <a:lumMod val="75000"/>
       </a:schemeClr>
     </cs:fontRef>
-    <cs:defRPr sz="1197" kern="1200"/>
+    <cs:defRPr sz="1195" kern="1200"/>
   </cs:categoryAxis>
   <cs:chartArea>
     <cs:lnRef idx="0"/>
@@ -795,7 +614,7 @@
         <a:round/>
       </a:ln>
     </cs:spPr>
-    <cs:defRPr sz="1197" kern="1200"/>
+    <cs:defRPr sz="1195" kern="1200"/>
   </cs:chartArea>
   <cs:dataLabel>
     <cs:lnRef idx="0"/>
@@ -806,7 +625,7 @@
         <a:lumMod val="75000"/>
       </a:schemeClr>
     </cs:fontRef>
-    <cs:defRPr sz="1197" kern="1200"/>
+    <cs:defRPr sz="1195" kern="1200"/>
   </cs:dataLabel>
   <cs:dataLabelCallout>
     <cs:lnRef idx="0"/>
@@ -826,7 +645,7 @@
         </a:schemeClr>
       </a:solidFill>
     </cs:spPr>
-    <cs:defRPr sz="1197" kern="1200"/>
+    <cs:defRPr sz="1195" kern="1200"/>
     <cs:bodyPr rot="0" spcFirstLastPara="1" vertOverflow="clip" horzOverflow="clip" vert="horz" wrap="square" lIns="36576" tIns="18288" rIns="36576" bIns="18288" anchor="ctr" anchorCtr="1">
       <a:spAutoFit/>
     </cs:bodyPr>
@@ -986,7 +805,7 @@
         </a:solidFill>
       </a:ln>
     </cs:spPr>
-    <cs:defRPr sz="1197" kern="1200"/>
+    <cs:defRPr sz="1195" kern="1200"/>
   </cs:dataTable>
   <cs:downBar>
     <cs:lnRef idx="0"/>
@@ -1141,7 +960,7 @@
         <a:lumMod val="75000"/>
       </a:schemeClr>
     </cs:fontRef>
-    <cs:defRPr sz="1197" kern="1200"/>
+    <cs:defRPr sz="1195" kern="1200"/>
   </cs:legend>
   <cs:plotArea>
     <cs:lnRef idx="0"/>
@@ -1168,7 +987,7 @@
         <a:lumMod val="75000"/>
       </a:schemeClr>
     </cs:fontRef>
-    <cs:defRPr sz="1197" kern="1200"/>
+    <cs:defRPr sz="1195" kern="1200"/>
   </cs:seriesAxis>
   <cs:seriesLine>
     <cs:lnRef idx="0"/>
@@ -1197,7 +1016,7 @@
         <a:lumMod val="85000"/>
       </a:schemeClr>
     </cs:fontRef>
-    <cs:defRPr sz="1862" b="1" kern="1200" cap="none" baseline="0"/>
+    <cs:defRPr sz="1860" b="1" kern="1200" cap="none" baseline="0"/>
   </cs:title>
   <cs:trendline>
     <cs:lnRef idx="0">
@@ -1227,7 +1046,7 @@
         <a:lumMod val="75000"/>
       </a:schemeClr>
     </cs:fontRef>
-    <cs:defRPr sz="1197" kern="1200"/>
+    <cs:defRPr sz="1195" kern="1200"/>
   </cs:trendlineLabel>
   <cs:upBar>
     <cs:lnRef idx="0"/>
@@ -1271,7 +1090,7 @@
         <a:round/>
       </a:ln>
     </cs:spPr>
-    <cs:defRPr sz="1197" kern="1200"/>
+    <cs:defRPr sz="1195" kern="1200"/>
     <cs:bodyPr/>
   </cs:valueAxis>
   <cs:wall>
@@ -1304,13 +1123,7 @@
       </p:grpSpPr>
       <p:sp>
         <p:nvSpPr>
-          <p:cNvPr id="2" name="Title 1">
-            <a:extLst>
-              <a:ext uri="{FF2B5EF4-FFF2-40B4-BE49-F238E27FC236}">
-                <a16:creationId xmlns:a16="http://schemas.microsoft.com/office/drawing/2014/main" id="{2024572E-BE21-6248-AA98-47D6BE7CABF9}"/>
-              </a:ext>
-            </a:extLst>
-          </p:cNvPr>
+          <p:cNvPr id="2" name="Title 1"/>
           <p:cNvSpPr>
             <a:spLocks noGrp="1"/>
           </p:cNvSpPr>
@@ -1336,19 +1149,13 @@
               <a:rPr lang="en-US"/>
               <a:t>Click to edit Master title style</a:t>
             </a:r>
-            <a:endParaRPr lang="en-CN"/>
-          </a:p>
-        </p:txBody>
-      </p:sp>
-      <p:sp>
-        <p:nvSpPr>
-          <p:cNvPr id="3" name="Subtitle 2">
-            <a:extLst>
-              <a:ext uri="{FF2B5EF4-FFF2-40B4-BE49-F238E27FC236}">
-                <a16:creationId xmlns:a16="http://schemas.microsoft.com/office/drawing/2014/main" id="{0849B53A-FE76-7D44-93AC-8B4062750E8D}"/>
-              </a:ext>
-            </a:extLst>
-          </p:cNvPr>
+            <a:endParaRPr lang="en-US"/>
+          </a:p>
+        </p:txBody>
+      </p:sp>
+      <p:sp>
+        <p:nvSpPr>
+          <p:cNvPr id="3" name="Subtitle 2"/>
           <p:cNvSpPr>
             <a:spLocks noGrp="1"/>
           </p:cNvSpPr>
@@ -1407,19 +1214,13 @@
               <a:rPr lang="en-US"/>
               <a:t>Click to edit Master subtitle style</a:t>
             </a:r>
-            <a:endParaRPr lang="en-CN"/>
-          </a:p>
-        </p:txBody>
-      </p:sp>
-      <p:sp>
-        <p:nvSpPr>
-          <p:cNvPr id="4" name="Date Placeholder 3">
-            <a:extLst>
-              <a:ext uri="{FF2B5EF4-FFF2-40B4-BE49-F238E27FC236}">
-                <a16:creationId xmlns:a16="http://schemas.microsoft.com/office/drawing/2014/main" id="{73C599B9-0C61-1E4A-9E1D-38119EEC61E1}"/>
-              </a:ext>
-            </a:extLst>
-          </p:cNvPr>
+            <a:endParaRPr lang="en-US"/>
+          </a:p>
+        </p:txBody>
+      </p:sp>
+      <p:sp>
+        <p:nvSpPr>
+          <p:cNvPr id="4" name="Date Placeholder 3"/>
           <p:cNvSpPr>
             <a:spLocks noGrp="1"/>
           </p:cNvSpPr>
@@ -1433,22 +1234,15 @@
           <a:lstStyle/>
           <a:p>
             <a:fld id="{4B2FAFE9-A63D-B64A-AF84-9D79676FDA54}" type="datetimeFigureOut">
-              <a:rPr lang="en-CN" smtClean="0"/>
-              <a:t>1/13/21</a:t>
+              <a:rPr lang="en-US" smtClean="0"/>
             </a:fld>
-            <a:endParaRPr lang="en-CN"/>
-          </a:p>
-        </p:txBody>
-      </p:sp>
-      <p:sp>
-        <p:nvSpPr>
-          <p:cNvPr id="5" name="Footer Placeholder 4">
-            <a:extLst>
-              <a:ext uri="{FF2B5EF4-FFF2-40B4-BE49-F238E27FC236}">
-                <a16:creationId xmlns:a16="http://schemas.microsoft.com/office/drawing/2014/main" id="{00DD432E-1F78-A94F-910D-67E964D7B648}"/>
-              </a:ext>
-            </a:extLst>
-          </p:cNvPr>
+            <a:endParaRPr lang="en-US"/>
+          </a:p>
+        </p:txBody>
+      </p:sp>
+      <p:sp>
+        <p:nvSpPr>
+          <p:cNvPr id="5" name="Footer Placeholder 4"/>
           <p:cNvSpPr>
             <a:spLocks noGrp="1"/>
           </p:cNvSpPr>
@@ -1461,19 +1255,13 @@
           <a:bodyPr/>
           <a:lstStyle/>
           <a:p>
-            <a:endParaRPr lang="en-CN"/>
-          </a:p>
-        </p:txBody>
-      </p:sp>
-      <p:sp>
-        <p:nvSpPr>
-          <p:cNvPr id="6" name="Slide Number Placeholder 5">
-            <a:extLst>
-              <a:ext uri="{FF2B5EF4-FFF2-40B4-BE49-F238E27FC236}">
-                <a16:creationId xmlns:a16="http://schemas.microsoft.com/office/drawing/2014/main" id="{CAAA6A24-C9FE-3541-8B2E-BFE1B1D5447C}"/>
-              </a:ext>
-            </a:extLst>
-          </p:cNvPr>
+            <a:endParaRPr lang="en-US"/>
+          </a:p>
+        </p:txBody>
+      </p:sp>
+      <p:sp>
+        <p:nvSpPr>
+          <p:cNvPr id="6" name="Slide Number Placeholder 5"/>
           <p:cNvSpPr>
             <a:spLocks noGrp="1"/>
           </p:cNvSpPr>
@@ -1487,19 +1275,13 @@
           <a:lstStyle/>
           <a:p>
             <a:fld id="{57999EB3-3C18-3345-A5ED-55EFE5FFE7CD}" type="slidenum">
-              <a:rPr lang="en-CN" smtClean="0"/>
-              <a:t>‹#›</a:t>
+              <a:rPr lang="en-US" smtClean="0"/>
             </a:fld>
-            <a:endParaRPr lang="en-CN"/>
+            <a:endParaRPr lang="en-US"/>
           </a:p>
         </p:txBody>
       </p:sp>
     </p:spTree>
-    <p:extLst>
-      <p:ext uri="{BB962C8B-B14F-4D97-AF65-F5344CB8AC3E}">
-        <p14:creationId xmlns:p14="http://schemas.microsoft.com/office/powerpoint/2010/main" val="2992551209"/>
-      </p:ext>
-    </p:extLst>
   </p:cSld>
   <p:clrMapOvr>
     <a:masterClrMapping/>
@@ -1526,13 +1308,7 @@
       </p:grpSpPr>
       <p:sp>
         <p:nvSpPr>
-          <p:cNvPr id="2" name="Title 1">
-            <a:extLst>
-              <a:ext uri="{FF2B5EF4-FFF2-40B4-BE49-F238E27FC236}">
-                <a16:creationId xmlns:a16="http://schemas.microsoft.com/office/drawing/2014/main" id="{C7BD1A28-700D-0F4B-9D4C-03A47D384392}"/>
-              </a:ext>
-            </a:extLst>
-          </p:cNvPr>
+          <p:cNvPr id="2" name="Title 1"/>
           <p:cNvSpPr>
             <a:spLocks noGrp="1"/>
           </p:cNvSpPr>
@@ -1549,19 +1325,13 @@
               <a:rPr lang="en-US"/>
               <a:t>Click to edit Master title style</a:t>
             </a:r>
-            <a:endParaRPr lang="en-CN"/>
-          </a:p>
-        </p:txBody>
-      </p:sp>
-      <p:sp>
-        <p:nvSpPr>
-          <p:cNvPr id="3" name="Vertical Text Placeholder 2">
-            <a:extLst>
-              <a:ext uri="{FF2B5EF4-FFF2-40B4-BE49-F238E27FC236}">
-                <a16:creationId xmlns:a16="http://schemas.microsoft.com/office/drawing/2014/main" id="{34C679EA-4CFD-8949-B23E-9E206B5B938B}"/>
-              </a:ext>
-            </a:extLst>
-          </p:cNvPr>
+            <a:endParaRPr lang="en-US"/>
+          </a:p>
+        </p:txBody>
+      </p:sp>
+      <p:sp>
+        <p:nvSpPr>
+          <p:cNvPr id="3" name="Vertical Text Placeholder 2"/>
           <p:cNvSpPr>
             <a:spLocks noGrp="1"/>
           </p:cNvSpPr>
@@ -1579,6 +1349,7 @@
               <a:rPr lang="en-US"/>
               <a:t>Click to edit Master text styles</a:t>
             </a:r>
+            <a:endParaRPr lang="en-US"/>
           </a:p>
           <a:p>
             <a:pPr lvl="1"/>
@@ -1586,6 +1357,7 @@
               <a:rPr lang="en-US"/>
               <a:t>Second level</a:t>
             </a:r>
+            <a:endParaRPr lang="en-US"/>
           </a:p>
           <a:p>
             <a:pPr lvl="2"/>
@@ -1593,6 +1365,7 @@
               <a:rPr lang="en-US"/>
               <a:t>Third level</a:t>
             </a:r>
+            <a:endParaRPr lang="en-US"/>
           </a:p>
           <a:p>
             <a:pPr lvl="3"/>
@@ -1600,6 +1373,7 @@
               <a:rPr lang="en-US"/>
               <a:t>Fourth level</a:t>
             </a:r>
+            <a:endParaRPr lang="en-US"/>
           </a:p>
           <a:p>
             <a:pPr lvl="4"/>
@@ -1607,19 +1381,13 @@
               <a:rPr lang="en-US"/>
               <a:t>Fifth level</a:t>
             </a:r>
-            <a:endParaRPr lang="en-CN"/>
-          </a:p>
-        </p:txBody>
-      </p:sp>
-      <p:sp>
-        <p:nvSpPr>
-          <p:cNvPr id="4" name="Date Placeholder 3">
-            <a:extLst>
-              <a:ext uri="{FF2B5EF4-FFF2-40B4-BE49-F238E27FC236}">
-                <a16:creationId xmlns:a16="http://schemas.microsoft.com/office/drawing/2014/main" id="{6F8737DB-72D3-8D42-8AB7-424F87830E19}"/>
-              </a:ext>
-            </a:extLst>
-          </p:cNvPr>
+            <a:endParaRPr lang="en-US"/>
+          </a:p>
+        </p:txBody>
+      </p:sp>
+      <p:sp>
+        <p:nvSpPr>
+          <p:cNvPr id="4" name="Date Placeholder 3"/>
           <p:cNvSpPr>
             <a:spLocks noGrp="1"/>
           </p:cNvSpPr>
@@ -1633,22 +1401,15 @@
           <a:lstStyle/>
           <a:p>
             <a:fld id="{4B2FAFE9-A63D-B64A-AF84-9D79676FDA54}" type="datetimeFigureOut">
-              <a:rPr lang="en-CN" smtClean="0"/>
-              <a:t>1/13/21</a:t>
+              <a:rPr lang="en-US" smtClean="0"/>
             </a:fld>
-            <a:endParaRPr lang="en-CN"/>
-          </a:p>
-        </p:txBody>
-      </p:sp>
-      <p:sp>
-        <p:nvSpPr>
-          <p:cNvPr id="5" name="Footer Placeholder 4">
-            <a:extLst>
-              <a:ext uri="{FF2B5EF4-FFF2-40B4-BE49-F238E27FC236}">
-                <a16:creationId xmlns:a16="http://schemas.microsoft.com/office/drawing/2014/main" id="{7D73329B-A5A4-AC43-9BA8-08FE80050428}"/>
-              </a:ext>
-            </a:extLst>
-          </p:cNvPr>
+            <a:endParaRPr lang="en-US"/>
+          </a:p>
+        </p:txBody>
+      </p:sp>
+      <p:sp>
+        <p:nvSpPr>
+          <p:cNvPr id="5" name="Footer Placeholder 4"/>
           <p:cNvSpPr>
             <a:spLocks noGrp="1"/>
           </p:cNvSpPr>
@@ -1661,19 +1422,13 @@
           <a:bodyPr/>
           <a:lstStyle/>
           <a:p>
-            <a:endParaRPr lang="en-CN"/>
-          </a:p>
-        </p:txBody>
-      </p:sp>
-      <p:sp>
-        <p:nvSpPr>
-          <p:cNvPr id="6" name="Slide Number Placeholder 5">
-            <a:extLst>
-              <a:ext uri="{FF2B5EF4-FFF2-40B4-BE49-F238E27FC236}">
-                <a16:creationId xmlns:a16="http://schemas.microsoft.com/office/drawing/2014/main" id="{3BD4E33B-E993-1143-B61B-5FF4BC4C3A88}"/>
-              </a:ext>
-            </a:extLst>
-          </p:cNvPr>
+            <a:endParaRPr lang="en-US"/>
+          </a:p>
+        </p:txBody>
+      </p:sp>
+      <p:sp>
+        <p:nvSpPr>
+          <p:cNvPr id="6" name="Slide Number Placeholder 5"/>
           <p:cNvSpPr>
             <a:spLocks noGrp="1"/>
           </p:cNvSpPr>
@@ -1687,19 +1442,13 @@
           <a:lstStyle/>
           <a:p>
             <a:fld id="{57999EB3-3C18-3345-A5ED-55EFE5FFE7CD}" type="slidenum">
-              <a:rPr lang="en-CN" smtClean="0"/>
-              <a:t>‹#›</a:t>
+              <a:rPr lang="en-US" smtClean="0"/>
             </a:fld>
-            <a:endParaRPr lang="en-CN"/>
+            <a:endParaRPr lang="en-US"/>
           </a:p>
         </p:txBody>
       </p:sp>
     </p:spTree>
-    <p:extLst>
-      <p:ext uri="{BB962C8B-B14F-4D97-AF65-F5344CB8AC3E}">
-        <p14:creationId xmlns:p14="http://schemas.microsoft.com/office/powerpoint/2010/main" val="882190583"/>
-      </p:ext>
-    </p:extLst>
   </p:cSld>
   <p:clrMapOvr>
     <a:masterClrMapping/>
@@ -1726,13 +1475,7 @@
       </p:grpSpPr>
       <p:sp>
         <p:nvSpPr>
-          <p:cNvPr id="2" name="Vertical Title 1">
-            <a:extLst>
-              <a:ext uri="{FF2B5EF4-FFF2-40B4-BE49-F238E27FC236}">
-                <a16:creationId xmlns:a16="http://schemas.microsoft.com/office/drawing/2014/main" id="{841CF01B-D677-094C-B36A-811186DABC5C}"/>
-              </a:ext>
-            </a:extLst>
-          </p:cNvPr>
+          <p:cNvPr id="2" name="Vertical Title 1"/>
           <p:cNvSpPr>
             <a:spLocks noGrp="1"/>
           </p:cNvSpPr>
@@ -1754,19 +1497,13 @@
               <a:rPr lang="en-US"/>
               <a:t>Click to edit Master title style</a:t>
             </a:r>
-            <a:endParaRPr lang="en-CN"/>
-          </a:p>
-        </p:txBody>
-      </p:sp>
-      <p:sp>
-        <p:nvSpPr>
-          <p:cNvPr id="3" name="Vertical Text Placeholder 2">
-            <a:extLst>
-              <a:ext uri="{FF2B5EF4-FFF2-40B4-BE49-F238E27FC236}">
-                <a16:creationId xmlns:a16="http://schemas.microsoft.com/office/drawing/2014/main" id="{4B740F22-6872-254B-B2A1-9E0536FB0BBD}"/>
-              </a:ext>
-            </a:extLst>
-          </p:cNvPr>
+            <a:endParaRPr lang="en-US"/>
+          </a:p>
+        </p:txBody>
+      </p:sp>
+      <p:sp>
+        <p:nvSpPr>
+          <p:cNvPr id="3" name="Vertical Text Placeholder 2"/>
           <p:cNvSpPr>
             <a:spLocks noGrp="1"/>
           </p:cNvSpPr>
@@ -1789,6 +1526,7 @@
               <a:rPr lang="en-US"/>
               <a:t>Click to edit Master text styles</a:t>
             </a:r>
+            <a:endParaRPr lang="en-US"/>
           </a:p>
           <a:p>
             <a:pPr lvl="1"/>
@@ -1796,6 +1534,7 @@
               <a:rPr lang="en-US"/>
               <a:t>Second level</a:t>
             </a:r>
+            <a:endParaRPr lang="en-US"/>
           </a:p>
           <a:p>
             <a:pPr lvl="2"/>
@@ -1803,6 +1542,7 @@
               <a:rPr lang="en-US"/>
               <a:t>Third level</a:t>
             </a:r>
+            <a:endParaRPr lang="en-US"/>
           </a:p>
           <a:p>
             <a:pPr lvl="3"/>
@@ -1810,6 +1550,7 @@
               <a:rPr lang="en-US"/>
               <a:t>Fourth level</a:t>
             </a:r>
+            <a:endParaRPr lang="en-US"/>
           </a:p>
           <a:p>
             <a:pPr lvl="4"/>
@@ -1817,19 +1558,13 @@
               <a:rPr lang="en-US"/>
               <a:t>Fifth level</a:t>
             </a:r>
-            <a:endParaRPr lang="en-CN"/>
-          </a:p>
-        </p:txBody>
-      </p:sp>
-      <p:sp>
-        <p:nvSpPr>
-          <p:cNvPr id="4" name="Date Placeholder 3">
-            <a:extLst>
-              <a:ext uri="{FF2B5EF4-FFF2-40B4-BE49-F238E27FC236}">
-                <a16:creationId xmlns:a16="http://schemas.microsoft.com/office/drawing/2014/main" id="{D70928EF-EC7E-DE42-AB76-E33C7FEC6888}"/>
-              </a:ext>
-            </a:extLst>
-          </p:cNvPr>
+            <a:endParaRPr lang="en-US"/>
+          </a:p>
+        </p:txBody>
+      </p:sp>
+      <p:sp>
+        <p:nvSpPr>
+          <p:cNvPr id="4" name="Date Placeholder 3"/>
           <p:cNvSpPr>
             <a:spLocks noGrp="1"/>
           </p:cNvSpPr>
@@ -1843,22 +1578,15 @@
           <a:lstStyle/>
           <a:p>
             <a:fld id="{4B2FAFE9-A63D-B64A-AF84-9D79676FDA54}" type="datetimeFigureOut">
-              <a:rPr lang="en-CN" smtClean="0"/>
-              <a:t>1/13/21</a:t>
+              <a:rPr lang="en-US" smtClean="0"/>
             </a:fld>
-            <a:endParaRPr lang="en-CN"/>
-          </a:p>
-        </p:txBody>
-      </p:sp>
-      <p:sp>
-        <p:nvSpPr>
-          <p:cNvPr id="5" name="Footer Placeholder 4">
-            <a:extLst>
-              <a:ext uri="{FF2B5EF4-FFF2-40B4-BE49-F238E27FC236}">
-                <a16:creationId xmlns:a16="http://schemas.microsoft.com/office/drawing/2014/main" id="{AC951C32-C835-D24F-87D7-17A5A1931133}"/>
-              </a:ext>
-            </a:extLst>
-          </p:cNvPr>
+            <a:endParaRPr lang="en-US"/>
+          </a:p>
+        </p:txBody>
+      </p:sp>
+      <p:sp>
+        <p:nvSpPr>
+          <p:cNvPr id="5" name="Footer Placeholder 4"/>
           <p:cNvSpPr>
             <a:spLocks noGrp="1"/>
           </p:cNvSpPr>
@@ -1871,19 +1599,13 @@
           <a:bodyPr/>
           <a:lstStyle/>
           <a:p>
-            <a:endParaRPr lang="en-CN"/>
-          </a:p>
-        </p:txBody>
-      </p:sp>
-      <p:sp>
-        <p:nvSpPr>
-          <p:cNvPr id="6" name="Slide Number Placeholder 5">
-            <a:extLst>
-              <a:ext uri="{FF2B5EF4-FFF2-40B4-BE49-F238E27FC236}">
-                <a16:creationId xmlns:a16="http://schemas.microsoft.com/office/drawing/2014/main" id="{ED0E5E5E-A898-AC45-843B-AD4644E62E06}"/>
-              </a:ext>
-            </a:extLst>
-          </p:cNvPr>
+            <a:endParaRPr lang="en-US"/>
+          </a:p>
+        </p:txBody>
+      </p:sp>
+      <p:sp>
+        <p:nvSpPr>
+          <p:cNvPr id="6" name="Slide Number Placeholder 5"/>
           <p:cNvSpPr>
             <a:spLocks noGrp="1"/>
           </p:cNvSpPr>
@@ -1897,19 +1619,13 @@
           <a:lstStyle/>
           <a:p>
             <a:fld id="{57999EB3-3C18-3345-A5ED-55EFE5FFE7CD}" type="slidenum">
-              <a:rPr lang="en-CN" smtClean="0"/>
-              <a:t>‹#›</a:t>
+              <a:rPr lang="en-US" smtClean="0"/>
             </a:fld>
-            <a:endParaRPr lang="en-CN"/>
+            <a:endParaRPr lang="en-US"/>
           </a:p>
         </p:txBody>
       </p:sp>
     </p:spTree>
-    <p:extLst>
-      <p:ext uri="{BB962C8B-B14F-4D97-AF65-F5344CB8AC3E}">
-        <p14:creationId xmlns:p14="http://schemas.microsoft.com/office/powerpoint/2010/main" val="3459333727"/>
-      </p:ext>
-    </p:extLst>
   </p:cSld>
   <p:clrMapOvr>
     <a:masterClrMapping/>
@@ -1936,13 +1652,7 @@
       </p:grpSpPr>
       <p:sp>
         <p:nvSpPr>
-          <p:cNvPr id="2" name="Title 1">
-            <a:extLst>
-              <a:ext uri="{FF2B5EF4-FFF2-40B4-BE49-F238E27FC236}">
-                <a16:creationId xmlns:a16="http://schemas.microsoft.com/office/drawing/2014/main" id="{0CE6C41F-4CA9-4641-B396-21ED88BD253B}"/>
-              </a:ext>
-            </a:extLst>
-          </p:cNvPr>
+          <p:cNvPr id="2" name="Title 1"/>
           <p:cNvSpPr>
             <a:spLocks noGrp="1"/>
           </p:cNvSpPr>
@@ -1959,19 +1669,13 @@
               <a:rPr lang="en-US"/>
               <a:t>Click to edit Master title style</a:t>
             </a:r>
-            <a:endParaRPr lang="en-CN"/>
-          </a:p>
-        </p:txBody>
-      </p:sp>
-      <p:sp>
-        <p:nvSpPr>
-          <p:cNvPr id="3" name="Content Placeholder 2">
-            <a:extLst>
-              <a:ext uri="{FF2B5EF4-FFF2-40B4-BE49-F238E27FC236}">
-                <a16:creationId xmlns:a16="http://schemas.microsoft.com/office/drawing/2014/main" id="{9FFA7AF7-C3F0-FA4D-A444-FC7578786187}"/>
-              </a:ext>
-            </a:extLst>
-          </p:cNvPr>
+            <a:endParaRPr lang="en-US"/>
+          </a:p>
+        </p:txBody>
+      </p:sp>
+      <p:sp>
+        <p:nvSpPr>
+          <p:cNvPr id="3" name="Content Placeholder 2"/>
           <p:cNvSpPr>
             <a:spLocks noGrp="1"/>
           </p:cNvSpPr>
@@ -1989,6 +1693,7 @@
               <a:rPr lang="en-US"/>
               <a:t>Click to edit Master text styles</a:t>
             </a:r>
+            <a:endParaRPr lang="en-US"/>
           </a:p>
           <a:p>
             <a:pPr lvl="1"/>
@@ -1996,6 +1701,7 @@
               <a:rPr lang="en-US"/>
               <a:t>Second level</a:t>
             </a:r>
+            <a:endParaRPr lang="en-US"/>
           </a:p>
           <a:p>
             <a:pPr lvl="2"/>
@@ -2003,6 +1709,7 @@
               <a:rPr lang="en-US"/>
               <a:t>Third level</a:t>
             </a:r>
+            <a:endParaRPr lang="en-US"/>
           </a:p>
           <a:p>
             <a:pPr lvl="3"/>
@@ -2010,6 +1717,7 @@
               <a:rPr lang="en-US"/>
               <a:t>Fourth level</a:t>
             </a:r>
+            <a:endParaRPr lang="en-US"/>
           </a:p>
           <a:p>
             <a:pPr lvl="4"/>
@@ -2017,19 +1725,13 @@
               <a:rPr lang="en-US"/>
               <a:t>Fifth level</a:t>
             </a:r>
-            <a:endParaRPr lang="en-CN"/>
-          </a:p>
-        </p:txBody>
-      </p:sp>
-      <p:sp>
-        <p:nvSpPr>
-          <p:cNvPr id="4" name="Date Placeholder 3">
-            <a:extLst>
-              <a:ext uri="{FF2B5EF4-FFF2-40B4-BE49-F238E27FC236}">
-                <a16:creationId xmlns:a16="http://schemas.microsoft.com/office/drawing/2014/main" id="{764C280E-4340-7645-84A8-10142B6055BA}"/>
-              </a:ext>
-            </a:extLst>
-          </p:cNvPr>
+            <a:endParaRPr lang="en-US"/>
+          </a:p>
+        </p:txBody>
+      </p:sp>
+      <p:sp>
+        <p:nvSpPr>
+          <p:cNvPr id="4" name="Date Placeholder 3"/>
           <p:cNvSpPr>
             <a:spLocks noGrp="1"/>
           </p:cNvSpPr>
@@ -2043,22 +1745,15 @@
           <a:lstStyle/>
           <a:p>
             <a:fld id="{4B2FAFE9-A63D-B64A-AF84-9D79676FDA54}" type="datetimeFigureOut">
-              <a:rPr lang="en-CN" smtClean="0"/>
-              <a:t>1/13/21</a:t>
+              <a:rPr lang="en-US" smtClean="0"/>
             </a:fld>
-            <a:endParaRPr lang="en-CN"/>
-          </a:p>
-        </p:txBody>
-      </p:sp>
-      <p:sp>
-        <p:nvSpPr>
-          <p:cNvPr id="5" name="Footer Placeholder 4">
-            <a:extLst>
-              <a:ext uri="{FF2B5EF4-FFF2-40B4-BE49-F238E27FC236}">
-                <a16:creationId xmlns:a16="http://schemas.microsoft.com/office/drawing/2014/main" id="{F726D692-6890-674F-A799-E58E69AA8A0F}"/>
-              </a:ext>
-            </a:extLst>
-          </p:cNvPr>
+            <a:endParaRPr lang="en-US"/>
+          </a:p>
+        </p:txBody>
+      </p:sp>
+      <p:sp>
+        <p:nvSpPr>
+          <p:cNvPr id="5" name="Footer Placeholder 4"/>
           <p:cNvSpPr>
             <a:spLocks noGrp="1"/>
           </p:cNvSpPr>
@@ -2071,19 +1766,13 @@
           <a:bodyPr/>
           <a:lstStyle/>
           <a:p>
-            <a:endParaRPr lang="en-CN"/>
-          </a:p>
-        </p:txBody>
-      </p:sp>
-      <p:sp>
-        <p:nvSpPr>
-          <p:cNvPr id="6" name="Slide Number Placeholder 5">
-            <a:extLst>
-              <a:ext uri="{FF2B5EF4-FFF2-40B4-BE49-F238E27FC236}">
-                <a16:creationId xmlns:a16="http://schemas.microsoft.com/office/drawing/2014/main" id="{7BF61B27-EC07-3348-88F7-6907C8FF216D}"/>
-              </a:ext>
-            </a:extLst>
-          </p:cNvPr>
+            <a:endParaRPr lang="en-US"/>
+          </a:p>
+        </p:txBody>
+      </p:sp>
+      <p:sp>
+        <p:nvSpPr>
+          <p:cNvPr id="6" name="Slide Number Placeholder 5"/>
           <p:cNvSpPr>
             <a:spLocks noGrp="1"/>
           </p:cNvSpPr>
@@ -2097,19 +1786,13 @@
           <a:lstStyle/>
           <a:p>
             <a:fld id="{57999EB3-3C18-3345-A5ED-55EFE5FFE7CD}" type="slidenum">
-              <a:rPr lang="en-CN" smtClean="0"/>
-              <a:t>‹#›</a:t>
+              <a:rPr lang="en-US" smtClean="0"/>
             </a:fld>
-            <a:endParaRPr lang="en-CN"/>
+            <a:endParaRPr lang="en-US"/>
           </a:p>
         </p:txBody>
       </p:sp>
     </p:spTree>
-    <p:extLst>
-      <p:ext uri="{BB962C8B-B14F-4D97-AF65-F5344CB8AC3E}">
-        <p14:creationId xmlns:p14="http://schemas.microsoft.com/office/powerpoint/2010/main" val="2207340257"/>
-      </p:ext>
-    </p:extLst>
   </p:cSld>
   <p:clrMapOvr>
     <a:masterClrMapping/>
@@ -2136,13 +1819,7 @@
       </p:grpSpPr>
       <p:sp>
         <p:nvSpPr>
-          <p:cNvPr id="2" name="Title 1">
-            <a:extLst>
-              <a:ext uri="{FF2B5EF4-FFF2-40B4-BE49-F238E27FC236}">
-                <a16:creationId xmlns:a16="http://schemas.microsoft.com/office/drawing/2014/main" id="{1C689057-A939-DB42-B29D-1F09E6A40435}"/>
-              </a:ext>
-            </a:extLst>
-          </p:cNvPr>
+          <p:cNvPr id="2" name="Title 1"/>
           <p:cNvSpPr>
             <a:spLocks noGrp="1"/>
           </p:cNvSpPr>
@@ -2168,19 +1845,13 @@
               <a:rPr lang="en-US"/>
               <a:t>Click to edit Master title style</a:t>
             </a:r>
-            <a:endParaRPr lang="en-CN"/>
-          </a:p>
-        </p:txBody>
-      </p:sp>
-      <p:sp>
-        <p:nvSpPr>
-          <p:cNvPr id="3" name="Text Placeholder 2">
-            <a:extLst>
-              <a:ext uri="{FF2B5EF4-FFF2-40B4-BE49-F238E27FC236}">
-                <a16:creationId xmlns:a16="http://schemas.microsoft.com/office/drawing/2014/main" id="{5E0A7B03-1555-7D47-86C0-42EFA120E55E}"/>
-              </a:ext>
-            </a:extLst>
-          </p:cNvPr>
+            <a:endParaRPr lang="en-US"/>
+          </a:p>
+        </p:txBody>
+      </p:sp>
+      <p:sp>
+        <p:nvSpPr>
+          <p:cNvPr id="3" name="Text Placeholder 2"/>
           <p:cNvSpPr>
             <a:spLocks noGrp="1"/>
           </p:cNvSpPr>
@@ -2294,18 +1965,13 @@
               <a:rPr lang="en-US"/>
               <a:t>Click to edit Master text styles</a:t>
             </a:r>
-          </a:p>
-        </p:txBody>
-      </p:sp>
-      <p:sp>
-        <p:nvSpPr>
-          <p:cNvPr id="4" name="Date Placeholder 3">
-            <a:extLst>
-              <a:ext uri="{FF2B5EF4-FFF2-40B4-BE49-F238E27FC236}">
-                <a16:creationId xmlns:a16="http://schemas.microsoft.com/office/drawing/2014/main" id="{549138EE-A6E0-7942-A981-36AB1074B0CB}"/>
-              </a:ext>
-            </a:extLst>
-          </p:cNvPr>
+            <a:endParaRPr lang="en-US"/>
+          </a:p>
+        </p:txBody>
+      </p:sp>
+      <p:sp>
+        <p:nvSpPr>
+          <p:cNvPr id="4" name="Date Placeholder 3"/>
           <p:cNvSpPr>
             <a:spLocks noGrp="1"/>
           </p:cNvSpPr>
@@ -2319,22 +1985,15 @@
           <a:lstStyle/>
           <a:p>
             <a:fld id="{4B2FAFE9-A63D-B64A-AF84-9D79676FDA54}" type="datetimeFigureOut">
-              <a:rPr lang="en-CN" smtClean="0"/>
-              <a:t>1/13/21</a:t>
+              <a:rPr lang="en-US" smtClean="0"/>
             </a:fld>
-            <a:endParaRPr lang="en-CN"/>
-          </a:p>
-        </p:txBody>
-      </p:sp>
-      <p:sp>
-        <p:nvSpPr>
-          <p:cNvPr id="5" name="Footer Placeholder 4">
-            <a:extLst>
-              <a:ext uri="{FF2B5EF4-FFF2-40B4-BE49-F238E27FC236}">
-                <a16:creationId xmlns:a16="http://schemas.microsoft.com/office/drawing/2014/main" id="{17B7AB59-6161-9A42-97CA-C551428A51FA}"/>
-              </a:ext>
-            </a:extLst>
-          </p:cNvPr>
+            <a:endParaRPr lang="en-US"/>
+          </a:p>
+        </p:txBody>
+      </p:sp>
+      <p:sp>
+        <p:nvSpPr>
+          <p:cNvPr id="5" name="Footer Placeholder 4"/>
           <p:cNvSpPr>
             <a:spLocks noGrp="1"/>
           </p:cNvSpPr>
@@ -2347,19 +2006,13 @@
           <a:bodyPr/>
           <a:lstStyle/>
           <a:p>
-            <a:endParaRPr lang="en-CN"/>
-          </a:p>
-        </p:txBody>
-      </p:sp>
-      <p:sp>
-        <p:nvSpPr>
-          <p:cNvPr id="6" name="Slide Number Placeholder 5">
-            <a:extLst>
-              <a:ext uri="{FF2B5EF4-FFF2-40B4-BE49-F238E27FC236}">
-                <a16:creationId xmlns:a16="http://schemas.microsoft.com/office/drawing/2014/main" id="{7C20C4FF-9A29-C244-BC49-F3F0DA2DAE94}"/>
-              </a:ext>
-            </a:extLst>
-          </p:cNvPr>
+            <a:endParaRPr lang="en-US"/>
+          </a:p>
+        </p:txBody>
+      </p:sp>
+      <p:sp>
+        <p:nvSpPr>
+          <p:cNvPr id="6" name="Slide Number Placeholder 5"/>
           <p:cNvSpPr>
             <a:spLocks noGrp="1"/>
           </p:cNvSpPr>
@@ -2373,19 +2026,13 @@
           <a:lstStyle/>
           <a:p>
             <a:fld id="{57999EB3-3C18-3345-A5ED-55EFE5FFE7CD}" type="slidenum">
-              <a:rPr lang="en-CN" smtClean="0"/>
-              <a:t>‹#›</a:t>
+              <a:rPr lang="en-US" smtClean="0"/>
             </a:fld>
-            <a:endParaRPr lang="en-CN"/>
+            <a:endParaRPr lang="en-US"/>
           </a:p>
         </p:txBody>
       </p:sp>
     </p:spTree>
-    <p:extLst>
-      <p:ext uri="{BB962C8B-B14F-4D97-AF65-F5344CB8AC3E}">
-        <p14:creationId xmlns:p14="http://schemas.microsoft.com/office/powerpoint/2010/main" val="1194301239"/>
-      </p:ext>
-    </p:extLst>
   </p:cSld>
   <p:clrMapOvr>
     <a:masterClrMapping/>
@@ -2412,13 +2059,7 @@
       </p:grpSpPr>
       <p:sp>
         <p:nvSpPr>
-          <p:cNvPr id="2" name="Title 1">
-            <a:extLst>
-              <a:ext uri="{FF2B5EF4-FFF2-40B4-BE49-F238E27FC236}">
-                <a16:creationId xmlns:a16="http://schemas.microsoft.com/office/drawing/2014/main" id="{CA86FB66-A95B-084E-AF6B-2817456CAE94}"/>
-              </a:ext>
-            </a:extLst>
-          </p:cNvPr>
+          <p:cNvPr id="2" name="Title 1"/>
           <p:cNvSpPr>
             <a:spLocks noGrp="1"/>
           </p:cNvSpPr>
@@ -2435,19 +2076,13 @@
               <a:rPr lang="en-US"/>
               <a:t>Click to edit Master title style</a:t>
             </a:r>
-            <a:endParaRPr lang="en-CN"/>
-          </a:p>
-        </p:txBody>
-      </p:sp>
-      <p:sp>
-        <p:nvSpPr>
-          <p:cNvPr id="3" name="Content Placeholder 2">
-            <a:extLst>
-              <a:ext uri="{FF2B5EF4-FFF2-40B4-BE49-F238E27FC236}">
-                <a16:creationId xmlns:a16="http://schemas.microsoft.com/office/drawing/2014/main" id="{DBCE42BE-BC26-AC45-94D1-948A25522E07}"/>
-              </a:ext>
-            </a:extLst>
-          </p:cNvPr>
+            <a:endParaRPr lang="en-US"/>
+          </a:p>
+        </p:txBody>
+      </p:sp>
+      <p:sp>
+        <p:nvSpPr>
+          <p:cNvPr id="3" name="Content Placeholder 2"/>
           <p:cNvSpPr>
             <a:spLocks noGrp="1"/>
           </p:cNvSpPr>
@@ -2470,6 +2105,7 @@
               <a:rPr lang="en-US"/>
               <a:t>Click to edit Master text styles</a:t>
             </a:r>
+            <a:endParaRPr lang="en-US"/>
           </a:p>
           <a:p>
             <a:pPr lvl="1"/>
@@ -2477,6 +2113,7 @@
               <a:rPr lang="en-US"/>
               <a:t>Second level</a:t>
             </a:r>
+            <a:endParaRPr lang="en-US"/>
           </a:p>
           <a:p>
             <a:pPr lvl="2"/>
@@ -2484,6 +2121,7 @@
               <a:rPr lang="en-US"/>
               <a:t>Third level</a:t>
             </a:r>
+            <a:endParaRPr lang="en-US"/>
           </a:p>
           <a:p>
             <a:pPr lvl="3"/>
@@ -2491,6 +2129,7 @@
               <a:rPr lang="en-US"/>
               <a:t>Fourth level</a:t>
             </a:r>
+            <a:endParaRPr lang="en-US"/>
           </a:p>
           <a:p>
             <a:pPr lvl="4"/>
@@ -2498,19 +2137,13 @@
               <a:rPr lang="en-US"/>
               <a:t>Fifth level</a:t>
             </a:r>
-            <a:endParaRPr lang="en-CN"/>
-          </a:p>
-        </p:txBody>
-      </p:sp>
-      <p:sp>
-        <p:nvSpPr>
-          <p:cNvPr id="4" name="Content Placeholder 3">
-            <a:extLst>
-              <a:ext uri="{FF2B5EF4-FFF2-40B4-BE49-F238E27FC236}">
-                <a16:creationId xmlns:a16="http://schemas.microsoft.com/office/drawing/2014/main" id="{7B3E2DC7-2F24-4E41-B825-23523C4EABF0}"/>
-              </a:ext>
-            </a:extLst>
-          </p:cNvPr>
+            <a:endParaRPr lang="en-US"/>
+          </a:p>
+        </p:txBody>
+      </p:sp>
+      <p:sp>
+        <p:nvSpPr>
+          <p:cNvPr id="4" name="Content Placeholder 3"/>
           <p:cNvSpPr>
             <a:spLocks noGrp="1"/>
           </p:cNvSpPr>
@@ -2533,6 +2166,7 @@
               <a:rPr lang="en-US"/>
               <a:t>Click to edit Master text styles</a:t>
             </a:r>
+            <a:endParaRPr lang="en-US"/>
           </a:p>
           <a:p>
             <a:pPr lvl="1"/>
@@ -2540,6 +2174,7 @@
               <a:rPr lang="en-US"/>
               <a:t>Second level</a:t>
             </a:r>
+            <a:endParaRPr lang="en-US"/>
           </a:p>
           <a:p>
             <a:pPr lvl="2"/>
@@ -2547,6 +2182,7 @@
               <a:rPr lang="en-US"/>
               <a:t>Third level</a:t>
             </a:r>
+            <a:endParaRPr lang="en-US"/>
           </a:p>
           <a:p>
             <a:pPr lvl="3"/>
@@ -2554,6 +2190,7 @@
               <a:rPr lang="en-US"/>
               <a:t>Fourth level</a:t>
             </a:r>
+            <a:endParaRPr lang="en-US"/>
           </a:p>
           <a:p>
             <a:pPr lvl="4"/>
@@ -2561,19 +2198,13 @@
               <a:rPr lang="en-US"/>
               <a:t>Fifth level</a:t>
             </a:r>
-            <a:endParaRPr lang="en-CN"/>
-          </a:p>
-        </p:txBody>
-      </p:sp>
-      <p:sp>
-        <p:nvSpPr>
-          <p:cNvPr id="5" name="Date Placeholder 4">
-            <a:extLst>
-              <a:ext uri="{FF2B5EF4-FFF2-40B4-BE49-F238E27FC236}">
-                <a16:creationId xmlns:a16="http://schemas.microsoft.com/office/drawing/2014/main" id="{FEEB4FA1-5C05-2F43-807E-6B2D52A9F0F5}"/>
-              </a:ext>
-            </a:extLst>
-          </p:cNvPr>
+            <a:endParaRPr lang="en-US"/>
+          </a:p>
+        </p:txBody>
+      </p:sp>
+      <p:sp>
+        <p:nvSpPr>
+          <p:cNvPr id="5" name="Date Placeholder 4"/>
           <p:cNvSpPr>
             <a:spLocks noGrp="1"/>
           </p:cNvSpPr>
@@ -2587,22 +2218,15 @@
           <a:lstStyle/>
           <a:p>
             <a:fld id="{4B2FAFE9-A63D-B64A-AF84-9D79676FDA54}" type="datetimeFigureOut">
-              <a:rPr lang="en-CN" smtClean="0"/>
-              <a:t>1/13/21</a:t>
+              <a:rPr lang="en-US" smtClean="0"/>
             </a:fld>
-            <a:endParaRPr lang="en-CN"/>
-          </a:p>
-        </p:txBody>
-      </p:sp>
-      <p:sp>
-        <p:nvSpPr>
-          <p:cNvPr id="6" name="Footer Placeholder 5">
-            <a:extLst>
-              <a:ext uri="{FF2B5EF4-FFF2-40B4-BE49-F238E27FC236}">
-                <a16:creationId xmlns:a16="http://schemas.microsoft.com/office/drawing/2014/main" id="{2638B657-7A5B-6C45-A068-798B4E07D761}"/>
-              </a:ext>
-            </a:extLst>
-          </p:cNvPr>
+            <a:endParaRPr lang="en-US"/>
+          </a:p>
+        </p:txBody>
+      </p:sp>
+      <p:sp>
+        <p:nvSpPr>
+          <p:cNvPr id="6" name="Footer Placeholder 5"/>
           <p:cNvSpPr>
             <a:spLocks noGrp="1"/>
           </p:cNvSpPr>
@@ -2615,19 +2239,13 @@
           <a:bodyPr/>
           <a:lstStyle/>
           <a:p>
-            <a:endParaRPr lang="en-CN"/>
-          </a:p>
-        </p:txBody>
-      </p:sp>
-      <p:sp>
-        <p:nvSpPr>
-          <p:cNvPr id="7" name="Slide Number Placeholder 6">
-            <a:extLst>
-              <a:ext uri="{FF2B5EF4-FFF2-40B4-BE49-F238E27FC236}">
-                <a16:creationId xmlns:a16="http://schemas.microsoft.com/office/drawing/2014/main" id="{566CE870-B899-3B47-828A-C313385D79E6}"/>
-              </a:ext>
-            </a:extLst>
-          </p:cNvPr>
+            <a:endParaRPr lang="en-US"/>
+          </a:p>
+        </p:txBody>
+      </p:sp>
+      <p:sp>
+        <p:nvSpPr>
+          <p:cNvPr id="7" name="Slide Number Placeholder 6"/>
           <p:cNvSpPr>
             <a:spLocks noGrp="1"/>
           </p:cNvSpPr>
@@ -2641,19 +2259,13 @@
           <a:lstStyle/>
           <a:p>
             <a:fld id="{57999EB3-3C18-3345-A5ED-55EFE5FFE7CD}" type="slidenum">
-              <a:rPr lang="en-CN" smtClean="0"/>
-              <a:t>‹#›</a:t>
+              <a:rPr lang="en-US" smtClean="0"/>
             </a:fld>
-            <a:endParaRPr lang="en-CN"/>
+            <a:endParaRPr lang="en-US"/>
           </a:p>
         </p:txBody>
       </p:sp>
     </p:spTree>
-    <p:extLst>
-      <p:ext uri="{BB962C8B-B14F-4D97-AF65-F5344CB8AC3E}">
-        <p14:creationId xmlns:p14="http://schemas.microsoft.com/office/powerpoint/2010/main" val="2076508631"/>
-      </p:ext>
-    </p:extLst>
   </p:cSld>
   <p:clrMapOvr>
     <a:masterClrMapping/>
@@ -2680,13 +2292,7 @@
       </p:grpSpPr>
       <p:sp>
         <p:nvSpPr>
-          <p:cNvPr id="2" name="Title 1">
-            <a:extLst>
-              <a:ext uri="{FF2B5EF4-FFF2-40B4-BE49-F238E27FC236}">
-                <a16:creationId xmlns:a16="http://schemas.microsoft.com/office/drawing/2014/main" id="{18EF8925-BDD1-6B4C-9418-66B88644099A}"/>
-              </a:ext>
-            </a:extLst>
-          </p:cNvPr>
+          <p:cNvPr id="2" name="Title 1"/>
           <p:cNvSpPr>
             <a:spLocks noGrp="1"/>
           </p:cNvSpPr>
@@ -2708,19 +2314,13 @@
               <a:rPr lang="en-US"/>
               <a:t>Click to edit Master title style</a:t>
             </a:r>
-            <a:endParaRPr lang="en-CN"/>
-          </a:p>
-        </p:txBody>
-      </p:sp>
-      <p:sp>
-        <p:nvSpPr>
-          <p:cNvPr id="3" name="Text Placeholder 2">
-            <a:extLst>
-              <a:ext uri="{FF2B5EF4-FFF2-40B4-BE49-F238E27FC236}">
-                <a16:creationId xmlns:a16="http://schemas.microsoft.com/office/drawing/2014/main" id="{6FFADA7E-1A42-A640-9B13-A09D2358AB97}"/>
-              </a:ext>
-            </a:extLst>
-          </p:cNvPr>
+            <a:endParaRPr lang="en-US"/>
+          </a:p>
+        </p:txBody>
+      </p:sp>
+      <p:sp>
+        <p:nvSpPr>
+          <p:cNvPr id="3" name="Text Placeholder 2"/>
           <p:cNvSpPr>
             <a:spLocks noGrp="1"/>
           </p:cNvSpPr>
@@ -2780,18 +2380,13 @@
               <a:rPr lang="en-US"/>
               <a:t>Click to edit Master text styles</a:t>
             </a:r>
-          </a:p>
-        </p:txBody>
-      </p:sp>
-      <p:sp>
-        <p:nvSpPr>
-          <p:cNvPr id="4" name="Content Placeholder 3">
-            <a:extLst>
-              <a:ext uri="{FF2B5EF4-FFF2-40B4-BE49-F238E27FC236}">
-                <a16:creationId xmlns:a16="http://schemas.microsoft.com/office/drawing/2014/main" id="{BA83F102-2B76-8E4B-8083-9FCF4E8EAEFE}"/>
-              </a:ext>
-            </a:extLst>
-          </p:cNvPr>
+            <a:endParaRPr lang="en-US"/>
+          </a:p>
+        </p:txBody>
+      </p:sp>
+      <p:sp>
+        <p:nvSpPr>
+          <p:cNvPr id="4" name="Content Placeholder 3"/>
           <p:cNvSpPr>
             <a:spLocks noGrp="1"/>
           </p:cNvSpPr>
@@ -2814,6 +2409,7 @@
               <a:rPr lang="en-US"/>
               <a:t>Click to edit Master text styles</a:t>
             </a:r>
+            <a:endParaRPr lang="en-US"/>
           </a:p>
           <a:p>
             <a:pPr lvl="1"/>
@@ -2821,6 +2417,7 @@
               <a:rPr lang="en-US"/>
               <a:t>Second level</a:t>
             </a:r>
+            <a:endParaRPr lang="en-US"/>
           </a:p>
           <a:p>
             <a:pPr lvl="2"/>
@@ -2828,6 +2425,7 @@
               <a:rPr lang="en-US"/>
               <a:t>Third level</a:t>
             </a:r>
+            <a:endParaRPr lang="en-US"/>
           </a:p>
           <a:p>
             <a:pPr lvl="3"/>
@@ -2835,6 +2433,7 @@
               <a:rPr lang="en-US"/>
               <a:t>Fourth level</a:t>
             </a:r>
+            <a:endParaRPr lang="en-US"/>
           </a:p>
           <a:p>
             <a:pPr lvl="4"/>
@@ -2842,19 +2441,13 @@
               <a:rPr lang="en-US"/>
               <a:t>Fifth level</a:t>
             </a:r>
-            <a:endParaRPr lang="en-CN"/>
-          </a:p>
-        </p:txBody>
-      </p:sp>
-      <p:sp>
-        <p:nvSpPr>
-          <p:cNvPr id="5" name="Text Placeholder 4">
-            <a:extLst>
-              <a:ext uri="{FF2B5EF4-FFF2-40B4-BE49-F238E27FC236}">
-                <a16:creationId xmlns:a16="http://schemas.microsoft.com/office/drawing/2014/main" id="{5CAD97E1-C6DF-F847-AE81-5928F5F9CC2C}"/>
-              </a:ext>
-            </a:extLst>
-          </p:cNvPr>
+            <a:endParaRPr lang="en-US"/>
+          </a:p>
+        </p:txBody>
+      </p:sp>
+      <p:sp>
+        <p:nvSpPr>
+          <p:cNvPr id="5" name="Text Placeholder 4"/>
           <p:cNvSpPr>
             <a:spLocks noGrp="1"/>
           </p:cNvSpPr>
@@ -2914,18 +2507,13 @@
               <a:rPr lang="en-US"/>
               <a:t>Click to edit Master text styles</a:t>
             </a:r>
-          </a:p>
-        </p:txBody>
-      </p:sp>
-      <p:sp>
-        <p:nvSpPr>
-          <p:cNvPr id="6" name="Content Placeholder 5">
-            <a:extLst>
-              <a:ext uri="{FF2B5EF4-FFF2-40B4-BE49-F238E27FC236}">
-                <a16:creationId xmlns:a16="http://schemas.microsoft.com/office/drawing/2014/main" id="{6D81789D-3332-FB4F-B477-F135AD87A2E1}"/>
-              </a:ext>
-            </a:extLst>
-          </p:cNvPr>
+            <a:endParaRPr lang="en-US"/>
+          </a:p>
+        </p:txBody>
+      </p:sp>
+      <p:sp>
+        <p:nvSpPr>
+          <p:cNvPr id="6" name="Content Placeholder 5"/>
           <p:cNvSpPr>
             <a:spLocks noGrp="1"/>
           </p:cNvSpPr>
@@ -2948,6 +2536,7 @@
               <a:rPr lang="en-US"/>
               <a:t>Click to edit Master text styles</a:t>
             </a:r>
+            <a:endParaRPr lang="en-US"/>
           </a:p>
           <a:p>
             <a:pPr lvl="1"/>
@@ -2955,6 +2544,7 @@
               <a:rPr lang="en-US"/>
               <a:t>Second level</a:t>
             </a:r>
+            <a:endParaRPr lang="en-US"/>
           </a:p>
           <a:p>
             <a:pPr lvl="2"/>
@@ -2962,6 +2552,7 @@
               <a:rPr lang="en-US"/>
               <a:t>Third level</a:t>
             </a:r>
+            <a:endParaRPr lang="en-US"/>
           </a:p>
           <a:p>
             <a:pPr lvl="3"/>
@@ -2969,6 +2560,7 @@
               <a:rPr lang="en-US"/>
               <a:t>Fourth level</a:t>
             </a:r>
+            <a:endParaRPr lang="en-US"/>
           </a:p>
           <a:p>
             <a:pPr lvl="4"/>
@@ -2976,19 +2568,13 @@
               <a:rPr lang="en-US"/>
               <a:t>Fifth level</a:t>
             </a:r>
-            <a:endParaRPr lang="en-CN"/>
-          </a:p>
-        </p:txBody>
-      </p:sp>
-      <p:sp>
-        <p:nvSpPr>
-          <p:cNvPr id="7" name="Date Placeholder 6">
-            <a:extLst>
-              <a:ext uri="{FF2B5EF4-FFF2-40B4-BE49-F238E27FC236}">
-                <a16:creationId xmlns:a16="http://schemas.microsoft.com/office/drawing/2014/main" id="{3F1D9450-2216-1545-AE7A-A9F64141E7EF}"/>
-              </a:ext>
-            </a:extLst>
-          </p:cNvPr>
+            <a:endParaRPr lang="en-US"/>
+          </a:p>
+        </p:txBody>
+      </p:sp>
+      <p:sp>
+        <p:nvSpPr>
+          <p:cNvPr id="7" name="Date Placeholder 6"/>
           <p:cNvSpPr>
             <a:spLocks noGrp="1"/>
           </p:cNvSpPr>
@@ -3002,22 +2588,15 @@
           <a:lstStyle/>
           <a:p>
             <a:fld id="{4B2FAFE9-A63D-B64A-AF84-9D79676FDA54}" type="datetimeFigureOut">
-              <a:rPr lang="en-CN" smtClean="0"/>
-              <a:t>1/13/21</a:t>
+              <a:rPr lang="en-US" smtClean="0"/>
             </a:fld>
-            <a:endParaRPr lang="en-CN"/>
-          </a:p>
-        </p:txBody>
-      </p:sp>
-      <p:sp>
-        <p:nvSpPr>
-          <p:cNvPr id="8" name="Footer Placeholder 7">
-            <a:extLst>
-              <a:ext uri="{FF2B5EF4-FFF2-40B4-BE49-F238E27FC236}">
-                <a16:creationId xmlns:a16="http://schemas.microsoft.com/office/drawing/2014/main" id="{20D85683-BCDA-F245-B790-EEE2AB737F13}"/>
-              </a:ext>
-            </a:extLst>
-          </p:cNvPr>
+            <a:endParaRPr lang="en-US"/>
+          </a:p>
+        </p:txBody>
+      </p:sp>
+      <p:sp>
+        <p:nvSpPr>
+          <p:cNvPr id="8" name="Footer Placeholder 7"/>
           <p:cNvSpPr>
             <a:spLocks noGrp="1"/>
           </p:cNvSpPr>
@@ -3030,19 +2609,13 @@
           <a:bodyPr/>
           <a:lstStyle/>
           <a:p>
-            <a:endParaRPr lang="en-CN"/>
-          </a:p>
-        </p:txBody>
-      </p:sp>
-      <p:sp>
-        <p:nvSpPr>
-          <p:cNvPr id="9" name="Slide Number Placeholder 8">
-            <a:extLst>
-              <a:ext uri="{FF2B5EF4-FFF2-40B4-BE49-F238E27FC236}">
-                <a16:creationId xmlns:a16="http://schemas.microsoft.com/office/drawing/2014/main" id="{4BB1CEC8-F7E9-4E45-878D-FAD071458BB7}"/>
-              </a:ext>
-            </a:extLst>
-          </p:cNvPr>
+            <a:endParaRPr lang="en-US"/>
+          </a:p>
+        </p:txBody>
+      </p:sp>
+      <p:sp>
+        <p:nvSpPr>
+          <p:cNvPr id="9" name="Slide Number Placeholder 8"/>
           <p:cNvSpPr>
             <a:spLocks noGrp="1"/>
           </p:cNvSpPr>
@@ -3056,19 +2629,13 @@
           <a:lstStyle/>
           <a:p>
             <a:fld id="{57999EB3-3C18-3345-A5ED-55EFE5FFE7CD}" type="slidenum">
-              <a:rPr lang="en-CN" smtClean="0"/>
-              <a:t>‹#›</a:t>
+              <a:rPr lang="en-US" smtClean="0"/>
             </a:fld>
-            <a:endParaRPr lang="en-CN"/>
+            <a:endParaRPr lang="en-US"/>
           </a:p>
         </p:txBody>
       </p:sp>
     </p:spTree>
-    <p:extLst>
-      <p:ext uri="{BB962C8B-B14F-4D97-AF65-F5344CB8AC3E}">
-        <p14:creationId xmlns:p14="http://schemas.microsoft.com/office/powerpoint/2010/main" val="3732441454"/>
-      </p:ext>
-    </p:extLst>
   </p:cSld>
   <p:clrMapOvr>
     <a:masterClrMapping/>
@@ -3095,13 +2662,7 @@
       </p:grpSpPr>
       <p:sp>
         <p:nvSpPr>
-          <p:cNvPr id="2" name="Title 1">
-            <a:extLst>
-              <a:ext uri="{FF2B5EF4-FFF2-40B4-BE49-F238E27FC236}">
-                <a16:creationId xmlns:a16="http://schemas.microsoft.com/office/drawing/2014/main" id="{CDF9005A-8C07-D743-9376-5A8DCF3638E2}"/>
-              </a:ext>
-            </a:extLst>
-          </p:cNvPr>
+          <p:cNvPr id="2" name="Title 1"/>
           <p:cNvSpPr>
             <a:spLocks noGrp="1"/>
           </p:cNvSpPr>
@@ -3118,19 +2679,13 @@
               <a:rPr lang="en-US"/>
               <a:t>Click to edit Master title style</a:t>
             </a:r>
-            <a:endParaRPr lang="en-CN"/>
-          </a:p>
-        </p:txBody>
-      </p:sp>
-      <p:sp>
-        <p:nvSpPr>
-          <p:cNvPr id="3" name="Date Placeholder 2">
-            <a:extLst>
-              <a:ext uri="{FF2B5EF4-FFF2-40B4-BE49-F238E27FC236}">
-                <a16:creationId xmlns:a16="http://schemas.microsoft.com/office/drawing/2014/main" id="{5DA1CF5D-CCCF-C44C-BA5F-2BFC30077156}"/>
-              </a:ext>
-            </a:extLst>
-          </p:cNvPr>
+            <a:endParaRPr lang="en-US"/>
+          </a:p>
+        </p:txBody>
+      </p:sp>
+      <p:sp>
+        <p:nvSpPr>
+          <p:cNvPr id="3" name="Date Placeholder 2"/>
           <p:cNvSpPr>
             <a:spLocks noGrp="1"/>
           </p:cNvSpPr>
@@ -3144,22 +2699,15 @@
           <a:lstStyle/>
           <a:p>
             <a:fld id="{4B2FAFE9-A63D-B64A-AF84-9D79676FDA54}" type="datetimeFigureOut">
-              <a:rPr lang="en-CN" smtClean="0"/>
-              <a:t>1/13/21</a:t>
+              <a:rPr lang="en-US" smtClean="0"/>
             </a:fld>
-            <a:endParaRPr lang="en-CN"/>
-          </a:p>
-        </p:txBody>
-      </p:sp>
-      <p:sp>
-        <p:nvSpPr>
-          <p:cNvPr id="4" name="Footer Placeholder 3">
-            <a:extLst>
-              <a:ext uri="{FF2B5EF4-FFF2-40B4-BE49-F238E27FC236}">
-                <a16:creationId xmlns:a16="http://schemas.microsoft.com/office/drawing/2014/main" id="{79063448-D60C-AF41-9175-D3EB70D99904}"/>
-              </a:ext>
-            </a:extLst>
-          </p:cNvPr>
+            <a:endParaRPr lang="en-US"/>
+          </a:p>
+        </p:txBody>
+      </p:sp>
+      <p:sp>
+        <p:nvSpPr>
+          <p:cNvPr id="4" name="Footer Placeholder 3"/>
           <p:cNvSpPr>
             <a:spLocks noGrp="1"/>
           </p:cNvSpPr>
@@ -3172,19 +2720,13 @@
           <a:bodyPr/>
           <a:lstStyle/>
           <a:p>
-            <a:endParaRPr lang="en-CN"/>
-          </a:p>
-        </p:txBody>
-      </p:sp>
-      <p:sp>
-        <p:nvSpPr>
-          <p:cNvPr id="5" name="Slide Number Placeholder 4">
-            <a:extLst>
-              <a:ext uri="{FF2B5EF4-FFF2-40B4-BE49-F238E27FC236}">
-                <a16:creationId xmlns:a16="http://schemas.microsoft.com/office/drawing/2014/main" id="{B8BA08F5-F195-B549-B794-D5B487220360}"/>
-              </a:ext>
-            </a:extLst>
-          </p:cNvPr>
+            <a:endParaRPr lang="en-US"/>
+          </a:p>
+        </p:txBody>
+      </p:sp>
+      <p:sp>
+        <p:nvSpPr>
+          <p:cNvPr id="5" name="Slide Number Placeholder 4"/>
           <p:cNvSpPr>
             <a:spLocks noGrp="1"/>
           </p:cNvSpPr>
@@ -3198,19 +2740,13 @@
           <a:lstStyle/>
           <a:p>
             <a:fld id="{57999EB3-3C18-3345-A5ED-55EFE5FFE7CD}" type="slidenum">
-              <a:rPr lang="en-CN" smtClean="0"/>
-              <a:t>‹#›</a:t>
+              <a:rPr lang="en-US" smtClean="0"/>
             </a:fld>
-            <a:endParaRPr lang="en-CN"/>
+            <a:endParaRPr lang="en-US"/>
           </a:p>
         </p:txBody>
       </p:sp>
     </p:spTree>
-    <p:extLst>
-      <p:ext uri="{BB962C8B-B14F-4D97-AF65-F5344CB8AC3E}">
-        <p14:creationId xmlns:p14="http://schemas.microsoft.com/office/powerpoint/2010/main" val="4150194333"/>
-      </p:ext>
-    </p:extLst>
   </p:cSld>
   <p:clrMapOvr>
     <a:masterClrMapping/>
@@ -3237,13 +2773,7 @@
       </p:grpSpPr>
       <p:sp>
         <p:nvSpPr>
-          <p:cNvPr id="2" name="Date Placeholder 1">
-            <a:extLst>
-              <a:ext uri="{FF2B5EF4-FFF2-40B4-BE49-F238E27FC236}">
-                <a16:creationId xmlns:a16="http://schemas.microsoft.com/office/drawing/2014/main" id="{93ED0922-A938-4046-881D-E545CEE8D87C}"/>
-              </a:ext>
-            </a:extLst>
-          </p:cNvPr>
+          <p:cNvPr id="2" name="Date Placeholder 1"/>
           <p:cNvSpPr>
             <a:spLocks noGrp="1"/>
           </p:cNvSpPr>
@@ -3257,22 +2787,15 @@
           <a:lstStyle/>
           <a:p>
             <a:fld id="{4B2FAFE9-A63D-B64A-AF84-9D79676FDA54}" type="datetimeFigureOut">
-              <a:rPr lang="en-CN" smtClean="0"/>
-              <a:t>1/13/21</a:t>
+              <a:rPr lang="en-US" smtClean="0"/>
             </a:fld>
-            <a:endParaRPr lang="en-CN"/>
-          </a:p>
-        </p:txBody>
-      </p:sp>
-      <p:sp>
-        <p:nvSpPr>
-          <p:cNvPr id="3" name="Footer Placeholder 2">
-            <a:extLst>
-              <a:ext uri="{FF2B5EF4-FFF2-40B4-BE49-F238E27FC236}">
-                <a16:creationId xmlns:a16="http://schemas.microsoft.com/office/drawing/2014/main" id="{9A68AF2B-B78D-4B41-A935-C13878F58063}"/>
-              </a:ext>
-            </a:extLst>
-          </p:cNvPr>
+            <a:endParaRPr lang="en-US"/>
+          </a:p>
+        </p:txBody>
+      </p:sp>
+      <p:sp>
+        <p:nvSpPr>
+          <p:cNvPr id="3" name="Footer Placeholder 2"/>
           <p:cNvSpPr>
             <a:spLocks noGrp="1"/>
           </p:cNvSpPr>
@@ -3285,19 +2808,13 @@
           <a:bodyPr/>
           <a:lstStyle/>
           <a:p>
-            <a:endParaRPr lang="en-CN"/>
-          </a:p>
-        </p:txBody>
-      </p:sp>
-      <p:sp>
-        <p:nvSpPr>
-          <p:cNvPr id="4" name="Slide Number Placeholder 3">
-            <a:extLst>
-              <a:ext uri="{FF2B5EF4-FFF2-40B4-BE49-F238E27FC236}">
-                <a16:creationId xmlns:a16="http://schemas.microsoft.com/office/drawing/2014/main" id="{9E2C1797-2C5B-B540-83CE-F7075E222AAC}"/>
-              </a:ext>
-            </a:extLst>
-          </p:cNvPr>
+            <a:endParaRPr lang="en-US"/>
+          </a:p>
+        </p:txBody>
+      </p:sp>
+      <p:sp>
+        <p:nvSpPr>
+          <p:cNvPr id="4" name="Slide Number Placeholder 3"/>
           <p:cNvSpPr>
             <a:spLocks noGrp="1"/>
           </p:cNvSpPr>
@@ -3311,19 +2828,13 @@
           <a:lstStyle/>
           <a:p>
             <a:fld id="{57999EB3-3C18-3345-A5ED-55EFE5FFE7CD}" type="slidenum">
-              <a:rPr lang="en-CN" smtClean="0"/>
-              <a:t>‹#›</a:t>
+              <a:rPr lang="en-US" smtClean="0"/>
             </a:fld>
-            <a:endParaRPr lang="en-CN"/>
+            <a:endParaRPr lang="en-US"/>
           </a:p>
         </p:txBody>
       </p:sp>
     </p:spTree>
-    <p:extLst>
-      <p:ext uri="{BB962C8B-B14F-4D97-AF65-F5344CB8AC3E}">
-        <p14:creationId xmlns:p14="http://schemas.microsoft.com/office/powerpoint/2010/main" val="2604279914"/>
-      </p:ext>
-    </p:extLst>
   </p:cSld>
   <p:clrMapOvr>
     <a:masterClrMapping/>
@@ -3350,13 +2861,7 @@
       </p:grpSpPr>
       <p:sp>
         <p:nvSpPr>
-          <p:cNvPr id="2" name="Title 1">
-            <a:extLst>
-              <a:ext uri="{FF2B5EF4-FFF2-40B4-BE49-F238E27FC236}">
-                <a16:creationId xmlns:a16="http://schemas.microsoft.com/office/drawing/2014/main" id="{03215A27-221C-6D44-B6DD-3E8B228A1287}"/>
-              </a:ext>
-            </a:extLst>
-          </p:cNvPr>
+          <p:cNvPr id="2" name="Title 1"/>
           <p:cNvSpPr>
             <a:spLocks noGrp="1"/>
           </p:cNvSpPr>
@@ -3382,19 +2887,13 @@
               <a:rPr lang="en-US"/>
               <a:t>Click to edit Master title style</a:t>
             </a:r>
-            <a:endParaRPr lang="en-CN"/>
-          </a:p>
-        </p:txBody>
-      </p:sp>
-      <p:sp>
-        <p:nvSpPr>
-          <p:cNvPr id="3" name="Content Placeholder 2">
-            <a:extLst>
-              <a:ext uri="{FF2B5EF4-FFF2-40B4-BE49-F238E27FC236}">
-                <a16:creationId xmlns:a16="http://schemas.microsoft.com/office/drawing/2014/main" id="{9689CF8F-2DF0-9C4F-94B7-C1EC0F80FCA0}"/>
-              </a:ext>
-            </a:extLst>
-          </p:cNvPr>
+            <a:endParaRPr lang="en-US"/>
+          </a:p>
+        </p:txBody>
+      </p:sp>
+      <p:sp>
+        <p:nvSpPr>
+          <p:cNvPr id="3" name="Content Placeholder 2"/>
           <p:cNvSpPr>
             <a:spLocks noGrp="1"/>
           </p:cNvSpPr>
@@ -3445,6 +2944,7 @@
               <a:rPr lang="en-US"/>
               <a:t>Click to edit Master text styles</a:t>
             </a:r>
+            <a:endParaRPr lang="en-US"/>
           </a:p>
           <a:p>
             <a:pPr lvl="1"/>
@@ -3452,6 +2952,7 @@
               <a:rPr lang="en-US"/>
               <a:t>Second level</a:t>
             </a:r>
+            <a:endParaRPr lang="en-US"/>
           </a:p>
           <a:p>
             <a:pPr lvl="2"/>
@@ -3459,6 +2960,7 @@
               <a:rPr lang="en-US"/>
               <a:t>Third level</a:t>
             </a:r>
+            <a:endParaRPr lang="en-US"/>
           </a:p>
           <a:p>
             <a:pPr lvl="3"/>
@@ -3466,6 +2968,7 @@
               <a:rPr lang="en-US"/>
               <a:t>Fourth level</a:t>
             </a:r>
+            <a:endParaRPr lang="en-US"/>
           </a:p>
           <a:p>
             <a:pPr lvl="4"/>
@@ -3473,19 +2976,13 @@
               <a:rPr lang="en-US"/>
               <a:t>Fifth level</a:t>
             </a:r>
-            <a:endParaRPr lang="en-CN"/>
-          </a:p>
-        </p:txBody>
-      </p:sp>
-      <p:sp>
-        <p:nvSpPr>
-          <p:cNvPr id="4" name="Text Placeholder 3">
-            <a:extLst>
-              <a:ext uri="{FF2B5EF4-FFF2-40B4-BE49-F238E27FC236}">
-                <a16:creationId xmlns:a16="http://schemas.microsoft.com/office/drawing/2014/main" id="{365DF21B-7904-844E-810B-75253E7C1DF2}"/>
-              </a:ext>
-            </a:extLst>
-          </p:cNvPr>
+            <a:endParaRPr lang="en-US"/>
+          </a:p>
+        </p:txBody>
+      </p:sp>
+      <p:sp>
+        <p:nvSpPr>
+          <p:cNvPr id="4" name="Text Placeholder 3"/>
           <p:cNvSpPr>
             <a:spLocks noGrp="1"/>
           </p:cNvSpPr>
@@ -3545,18 +3042,13 @@
               <a:rPr lang="en-US"/>
               <a:t>Click to edit Master text styles</a:t>
             </a:r>
-          </a:p>
-        </p:txBody>
-      </p:sp>
-      <p:sp>
-        <p:nvSpPr>
-          <p:cNvPr id="5" name="Date Placeholder 4">
-            <a:extLst>
-              <a:ext uri="{FF2B5EF4-FFF2-40B4-BE49-F238E27FC236}">
-                <a16:creationId xmlns:a16="http://schemas.microsoft.com/office/drawing/2014/main" id="{D4C70AE9-3CAC-A949-9204-460100623974}"/>
-              </a:ext>
-            </a:extLst>
-          </p:cNvPr>
+            <a:endParaRPr lang="en-US"/>
+          </a:p>
+        </p:txBody>
+      </p:sp>
+      <p:sp>
+        <p:nvSpPr>
+          <p:cNvPr id="5" name="Date Placeholder 4"/>
           <p:cNvSpPr>
             <a:spLocks noGrp="1"/>
           </p:cNvSpPr>
@@ -3570,22 +3062,15 @@
           <a:lstStyle/>
           <a:p>
             <a:fld id="{4B2FAFE9-A63D-B64A-AF84-9D79676FDA54}" type="datetimeFigureOut">
-              <a:rPr lang="en-CN" smtClean="0"/>
-              <a:t>1/13/21</a:t>
+              <a:rPr lang="en-US" smtClean="0"/>
             </a:fld>
-            <a:endParaRPr lang="en-CN"/>
-          </a:p>
-        </p:txBody>
-      </p:sp>
-      <p:sp>
-        <p:nvSpPr>
-          <p:cNvPr id="6" name="Footer Placeholder 5">
-            <a:extLst>
-              <a:ext uri="{FF2B5EF4-FFF2-40B4-BE49-F238E27FC236}">
-                <a16:creationId xmlns:a16="http://schemas.microsoft.com/office/drawing/2014/main" id="{C42A5B62-CA1B-3D4D-9BA8-5CA6F83EC026}"/>
-              </a:ext>
-            </a:extLst>
-          </p:cNvPr>
+            <a:endParaRPr lang="en-US"/>
+          </a:p>
+        </p:txBody>
+      </p:sp>
+      <p:sp>
+        <p:nvSpPr>
+          <p:cNvPr id="6" name="Footer Placeholder 5"/>
           <p:cNvSpPr>
             <a:spLocks noGrp="1"/>
           </p:cNvSpPr>
@@ -3598,19 +3083,13 @@
           <a:bodyPr/>
           <a:lstStyle/>
           <a:p>
-            <a:endParaRPr lang="en-CN"/>
-          </a:p>
-        </p:txBody>
-      </p:sp>
-      <p:sp>
-        <p:nvSpPr>
-          <p:cNvPr id="7" name="Slide Number Placeholder 6">
-            <a:extLst>
-              <a:ext uri="{FF2B5EF4-FFF2-40B4-BE49-F238E27FC236}">
-                <a16:creationId xmlns:a16="http://schemas.microsoft.com/office/drawing/2014/main" id="{382754FC-6886-D443-8C03-B06A10592B60}"/>
-              </a:ext>
-            </a:extLst>
-          </p:cNvPr>
+            <a:endParaRPr lang="en-US"/>
+          </a:p>
+        </p:txBody>
+      </p:sp>
+      <p:sp>
+        <p:nvSpPr>
+          <p:cNvPr id="7" name="Slide Number Placeholder 6"/>
           <p:cNvSpPr>
             <a:spLocks noGrp="1"/>
           </p:cNvSpPr>
@@ -3624,19 +3103,13 @@
           <a:lstStyle/>
           <a:p>
             <a:fld id="{57999EB3-3C18-3345-A5ED-55EFE5FFE7CD}" type="slidenum">
-              <a:rPr lang="en-CN" smtClean="0"/>
-              <a:t>‹#›</a:t>
+              <a:rPr lang="en-US" smtClean="0"/>
             </a:fld>
-            <a:endParaRPr lang="en-CN"/>
+            <a:endParaRPr lang="en-US"/>
           </a:p>
         </p:txBody>
       </p:sp>
     </p:spTree>
-    <p:extLst>
-      <p:ext uri="{BB962C8B-B14F-4D97-AF65-F5344CB8AC3E}">
-        <p14:creationId xmlns:p14="http://schemas.microsoft.com/office/powerpoint/2010/main" val="1519138372"/>
-      </p:ext>
-    </p:extLst>
   </p:cSld>
   <p:clrMapOvr>
     <a:masterClrMapping/>
@@ -3663,13 +3136,7 @@
       </p:grpSpPr>
       <p:sp>
         <p:nvSpPr>
-          <p:cNvPr id="2" name="Title 1">
-            <a:extLst>
-              <a:ext uri="{FF2B5EF4-FFF2-40B4-BE49-F238E27FC236}">
-                <a16:creationId xmlns:a16="http://schemas.microsoft.com/office/drawing/2014/main" id="{027D4641-6B52-624E-ADD0-52FC87BF9365}"/>
-              </a:ext>
-            </a:extLst>
-          </p:cNvPr>
+          <p:cNvPr id="2" name="Title 1"/>
           <p:cNvSpPr>
             <a:spLocks noGrp="1"/>
           </p:cNvSpPr>
@@ -3695,19 +3162,13 @@
               <a:rPr lang="en-US"/>
               <a:t>Click to edit Master title style</a:t>
             </a:r>
-            <a:endParaRPr lang="en-CN"/>
-          </a:p>
-        </p:txBody>
-      </p:sp>
-      <p:sp>
-        <p:nvSpPr>
-          <p:cNvPr id="3" name="Picture Placeholder 2">
-            <a:extLst>
-              <a:ext uri="{FF2B5EF4-FFF2-40B4-BE49-F238E27FC236}">
-                <a16:creationId xmlns:a16="http://schemas.microsoft.com/office/drawing/2014/main" id="{04E39BAB-4A93-5646-8D0A-FAD193E958BA}"/>
-              </a:ext>
-            </a:extLst>
-          </p:cNvPr>
+            <a:endParaRPr lang="en-US"/>
+          </a:p>
+        </p:txBody>
+      </p:sp>
+      <p:sp>
+        <p:nvSpPr>
+          <p:cNvPr id="3" name="Picture Placeholder 2"/>
           <p:cNvSpPr>
             <a:spLocks noGrp="1"/>
           </p:cNvSpPr>
@@ -3762,19 +3223,13 @@
             </a:lvl9pPr>
           </a:lstStyle>
           <a:p>
-            <a:endParaRPr lang="en-CN"/>
-          </a:p>
-        </p:txBody>
-      </p:sp>
-      <p:sp>
-        <p:nvSpPr>
-          <p:cNvPr id="4" name="Text Placeholder 3">
-            <a:extLst>
-              <a:ext uri="{FF2B5EF4-FFF2-40B4-BE49-F238E27FC236}">
-                <a16:creationId xmlns:a16="http://schemas.microsoft.com/office/drawing/2014/main" id="{07587845-0B2D-C74E-82FC-69394F5C2D39}"/>
-              </a:ext>
-            </a:extLst>
-          </p:cNvPr>
+            <a:endParaRPr lang="en-US"/>
+          </a:p>
+        </p:txBody>
+      </p:sp>
+      <p:sp>
+        <p:nvSpPr>
+          <p:cNvPr id="4" name="Text Placeholder 3"/>
           <p:cNvSpPr>
             <a:spLocks noGrp="1"/>
           </p:cNvSpPr>
@@ -3834,18 +3289,13 @@
               <a:rPr lang="en-US"/>
               <a:t>Click to edit Master text styles</a:t>
             </a:r>
-          </a:p>
-        </p:txBody>
-      </p:sp>
-      <p:sp>
-        <p:nvSpPr>
-          <p:cNvPr id="5" name="Date Placeholder 4">
-            <a:extLst>
-              <a:ext uri="{FF2B5EF4-FFF2-40B4-BE49-F238E27FC236}">
-                <a16:creationId xmlns:a16="http://schemas.microsoft.com/office/drawing/2014/main" id="{827F7293-E945-7D4F-99F3-43B625155B47}"/>
-              </a:ext>
-            </a:extLst>
-          </p:cNvPr>
+            <a:endParaRPr lang="en-US"/>
+          </a:p>
+        </p:txBody>
+      </p:sp>
+      <p:sp>
+        <p:nvSpPr>
+          <p:cNvPr id="5" name="Date Placeholder 4"/>
           <p:cNvSpPr>
             <a:spLocks noGrp="1"/>
           </p:cNvSpPr>
@@ -3859,22 +3309,15 @@
           <a:lstStyle/>
           <a:p>
             <a:fld id="{4B2FAFE9-A63D-B64A-AF84-9D79676FDA54}" type="datetimeFigureOut">
-              <a:rPr lang="en-CN" smtClean="0"/>
-              <a:t>1/13/21</a:t>
+              <a:rPr lang="en-US" smtClean="0"/>
             </a:fld>
-            <a:endParaRPr lang="en-CN"/>
-          </a:p>
-        </p:txBody>
-      </p:sp>
-      <p:sp>
-        <p:nvSpPr>
-          <p:cNvPr id="6" name="Footer Placeholder 5">
-            <a:extLst>
-              <a:ext uri="{FF2B5EF4-FFF2-40B4-BE49-F238E27FC236}">
-                <a16:creationId xmlns:a16="http://schemas.microsoft.com/office/drawing/2014/main" id="{789EF051-4BA1-D044-BD8F-80CD7B1BAC35}"/>
-              </a:ext>
-            </a:extLst>
-          </p:cNvPr>
+            <a:endParaRPr lang="en-US"/>
+          </a:p>
+        </p:txBody>
+      </p:sp>
+      <p:sp>
+        <p:nvSpPr>
+          <p:cNvPr id="6" name="Footer Placeholder 5"/>
           <p:cNvSpPr>
             <a:spLocks noGrp="1"/>
           </p:cNvSpPr>
@@ -3887,19 +3330,13 @@
           <a:bodyPr/>
           <a:lstStyle/>
           <a:p>
-            <a:endParaRPr lang="en-CN"/>
-          </a:p>
-        </p:txBody>
-      </p:sp>
-      <p:sp>
-        <p:nvSpPr>
-          <p:cNvPr id="7" name="Slide Number Placeholder 6">
-            <a:extLst>
-              <a:ext uri="{FF2B5EF4-FFF2-40B4-BE49-F238E27FC236}">
-                <a16:creationId xmlns:a16="http://schemas.microsoft.com/office/drawing/2014/main" id="{DAFA4CF2-BF9D-0B47-8854-BEEC53A49197}"/>
-              </a:ext>
-            </a:extLst>
-          </p:cNvPr>
+            <a:endParaRPr lang="en-US"/>
+          </a:p>
+        </p:txBody>
+      </p:sp>
+      <p:sp>
+        <p:nvSpPr>
+          <p:cNvPr id="7" name="Slide Number Placeholder 6"/>
           <p:cNvSpPr>
             <a:spLocks noGrp="1"/>
           </p:cNvSpPr>
@@ -3913,19 +3350,13 @@
           <a:lstStyle/>
           <a:p>
             <a:fld id="{57999EB3-3C18-3345-A5ED-55EFE5FFE7CD}" type="slidenum">
-              <a:rPr lang="en-CN" smtClean="0"/>
-              <a:t>‹#›</a:t>
+              <a:rPr lang="en-US" smtClean="0"/>
             </a:fld>
-            <a:endParaRPr lang="en-CN"/>
+            <a:endParaRPr lang="en-US"/>
           </a:p>
         </p:txBody>
       </p:sp>
     </p:spTree>
-    <p:extLst>
-      <p:ext uri="{BB962C8B-B14F-4D97-AF65-F5344CB8AC3E}">
-        <p14:creationId xmlns:p14="http://schemas.microsoft.com/office/powerpoint/2010/main" val="1990633035"/>
-      </p:ext>
-    </p:extLst>
   </p:cSld>
   <p:clrMapOvr>
     <a:masterClrMapping/>
@@ -3957,13 +3388,7 @@
       </p:grpSpPr>
       <p:sp>
         <p:nvSpPr>
-          <p:cNvPr id="2" name="Title Placeholder 1">
-            <a:extLst>
-              <a:ext uri="{FF2B5EF4-FFF2-40B4-BE49-F238E27FC236}">
-                <a16:creationId xmlns:a16="http://schemas.microsoft.com/office/drawing/2014/main" id="{E6F642BC-4E14-BD42-971C-2AE249FAE3B8}"/>
-              </a:ext>
-            </a:extLst>
-          </p:cNvPr>
+          <p:cNvPr id="2" name="Title Placeholder 1"/>
           <p:cNvSpPr>
             <a:spLocks noGrp="1"/>
           </p:cNvSpPr>
@@ -3990,19 +3415,13 @@
               <a:rPr lang="en-US"/>
               <a:t>Click to edit Master title style</a:t>
             </a:r>
-            <a:endParaRPr lang="en-CN"/>
-          </a:p>
-        </p:txBody>
-      </p:sp>
-      <p:sp>
-        <p:nvSpPr>
-          <p:cNvPr id="3" name="Text Placeholder 2">
-            <a:extLst>
-              <a:ext uri="{FF2B5EF4-FFF2-40B4-BE49-F238E27FC236}">
-                <a16:creationId xmlns:a16="http://schemas.microsoft.com/office/drawing/2014/main" id="{658429CC-F104-C34A-B219-F7EF77C1D289}"/>
-              </a:ext>
-            </a:extLst>
-          </p:cNvPr>
+            <a:endParaRPr lang="en-US"/>
+          </a:p>
+        </p:txBody>
+      </p:sp>
+      <p:sp>
+        <p:nvSpPr>
+          <p:cNvPr id="3" name="Text Placeholder 2"/>
           <p:cNvSpPr>
             <a:spLocks noGrp="1"/>
           </p:cNvSpPr>
@@ -4030,6 +3449,7 @@
               <a:rPr lang="en-US"/>
               <a:t>Click to edit Master text styles</a:t>
             </a:r>
+            <a:endParaRPr lang="en-US"/>
           </a:p>
           <a:p>
             <a:pPr lvl="1"/>
@@ -4037,6 +3457,7 @@
               <a:rPr lang="en-US"/>
               <a:t>Second level</a:t>
             </a:r>
+            <a:endParaRPr lang="en-US"/>
           </a:p>
           <a:p>
             <a:pPr lvl="2"/>
@@ -4044,6 +3465,7 @@
               <a:rPr lang="en-US"/>
               <a:t>Third level</a:t>
             </a:r>
+            <a:endParaRPr lang="en-US"/>
           </a:p>
           <a:p>
             <a:pPr lvl="3"/>
@@ -4051,6 +3473,7 @@
               <a:rPr lang="en-US"/>
               <a:t>Fourth level</a:t>
             </a:r>
+            <a:endParaRPr lang="en-US"/>
           </a:p>
           <a:p>
             <a:pPr lvl="4"/>
@@ -4058,19 +3481,13 @@
               <a:rPr lang="en-US"/>
               <a:t>Fifth level</a:t>
             </a:r>
-            <a:endParaRPr lang="en-CN"/>
-          </a:p>
-        </p:txBody>
-      </p:sp>
-      <p:sp>
-        <p:nvSpPr>
-          <p:cNvPr id="4" name="Date Placeholder 3">
-            <a:extLst>
-              <a:ext uri="{FF2B5EF4-FFF2-40B4-BE49-F238E27FC236}">
-                <a16:creationId xmlns:a16="http://schemas.microsoft.com/office/drawing/2014/main" id="{5788FFDA-19D2-9343-99E6-71A893601E92}"/>
-              </a:ext>
-            </a:extLst>
-          </p:cNvPr>
+            <a:endParaRPr lang="en-US"/>
+          </a:p>
+        </p:txBody>
+      </p:sp>
+      <p:sp>
+        <p:nvSpPr>
+          <p:cNvPr id="4" name="Date Placeholder 3"/>
           <p:cNvSpPr>
             <a:spLocks noGrp="1"/>
           </p:cNvSpPr>
@@ -4102,22 +3519,15 @@
           </a:lstStyle>
           <a:p>
             <a:fld id="{4B2FAFE9-A63D-B64A-AF84-9D79676FDA54}" type="datetimeFigureOut">
-              <a:rPr lang="en-CN" smtClean="0"/>
-              <a:t>1/13/21</a:t>
+              <a:rPr lang="en-US" smtClean="0"/>
             </a:fld>
-            <a:endParaRPr lang="en-CN"/>
-          </a:p>
-        </p:txBody>
-      </p:sp>
-      <p:sp>
-        <p:nvSpPr>
-          <p:cNvPr id="5" name="Footer Placeholder 4">
-            <a:extLst>
-              <a:ext uri="{FF2B5EF4-FFF2-40B4-BE49-F238E27FC236}">
-                <a16:creationId xmlns:a16="http://schemas.microsoft.com/office/drawing/2014/main" id="{EDFC4C7E-F20A-D24E-AF79-260F126C9863}"/>
-              </a:ext>
-            </a:extLst>
-          </p:cNvPr>
+            <a:endParaRPr lang="en-US"/>
+          </a:p>
+        </p:txBody>
+      </p:sp>
+      <p:sp>
+        <p:nvSpPr>
+          <p:cNvPr id="5" name="Footer Placeholder 4"/>
           <p:cNvSpPr>
             <a:spLocks noGrp="1"/>
           </p:cNvSpPr>
@@ -4148,19 +3558,13 @@
             </a:lvl1pPr>
           </a:lstStyle>
           <a:p>
-            <a:endParaRPr lang="en-CN"/>
-          </a:p>
-        </p:txBody>
-      </p:sp>
-      <p:sp>
-        <p:nvSpPr>
-          <p:cNvPr id="6" name="Slide Number Placeholder 5">
-            <a:extLst>
-              <a:ext uri="{FF2B5EF4-FFF2-40B4-BE49-F238E27FC236}">
-                <a16:creationId xmlns:a16="http://schemas.microsoft.com/office/drawing/2014/main" id="{1609B5F6-282F-4346-9FF5-3BC0BC3F24B1}"/>
-              </a:ext>
-            </a:extLst>
-          </p:cNvPr>
+            <a:endParaRPr lang="en-US"/>
+          </a:p>
+        </p:txBody>
+      </p:sp>
+      <p:sp>
+        <p:nvSpPr>
+          <p:cNvPr id="6" name="Slide Number Placeholder 5"/>
           <p:cNvSpPr>
             <a:spLocks noGrp="1"/>
           </p:cNvSpPr>
@@ -4192,19 +3596,13 @@
           </a:lstStyle>
           <a:p>
             <a:fld id="{57999EB3-3C18-3345-A5ED-55EFE5FFE7CD}" type="slidenum">
-              <a:rPr lang="en-CN" smtClean="0"/>
-              <a:t>‹#›</a:t>
+              <a:rPr lang="en-US" smtClean="0"/>
             </a:fld>
-            <a:endParaRPr lang="en-CN"/>
+            <a:endParaRPr lang="en-US"/>
           </a:p>
         </p:txBody>
       </p:sp>
     </p:spTree>
-    <p:extLst>
-      <p:ext uri="{BB962C8B-B14F-4D97-AF65-F5344CB8AC3E}">
-        <p14:creationId xmlns:p14="http://schemas.microsoft.com/office/powerpoint/2010/main" val="3379096838"/>
-      </p:ext>
-    </p:extLst>
   </p:cSld>
   <p:clrMap bg1="lt1" tx1="dk1" bg2="lt2" tx2="dk2" accent1="accent1" accent2="accent2" accent3="accent3" accent4="accent4" accent5="accent5" accent6="accent6" hlink="hlink" folHlink="folHlink"/>
   <p:sldLayoutIdLst>
@@ -4248,7 +3646,7 @@
         <a:spcBef>
           <a:spcPts val="1000"/>
         </a:spcBef>
-        <a:buFont typeface="Arial" panose="020B0604020202020204" pitchFamily="34" charset="0"/>
+        <a:buFont typeface="Arial" panose="020B0604020202090204" pitchFamily="34" charset="0"/>
         <a:buChar char="•"/>
         <a:defRPr sz="2800" kern="1200">
           <a:solidFill>
@@ -4266,7 +3664,7 @@
         <a:spcBef>
           <a:spcPts val="500"/>
         </a:spcBef>
-        <a:buFont typeface="Arial" panose="020B0604020202020204" pitchFamily="34" charset="0"/>
+        <a:buFont typeface="Arial" panose="020B0604020202090204" pitchFamily="34" charset="0"/>
         <a:buChar char="•"/>
         <a:defRPr sz="2400" kern="1200">
           <a:solidFill>
@@ -4284,7 +3682,7 @@
         <a:spcBef>
           <a:spcPts val="500"/>
         </a:spcBef>
-        <a:buFont typeface="Arial" panose="020B0604020202020204" pitchFamily="34" charset="0"/>
+        <a:buFont typeface="Arial" panose="020B0604020202090204" pitchFamily="34" charset="0"/>
         <a:buChar char="•"/>
         <a:defRPr sz="2000" kern="1200">
           <a:solidFill>
@@ -4302,7 +3700,7 @@
         <a:spcBef>
           <a:spcPts val="500"/>
         </a:spcBef>
-        <a:buFont typeface="Arial" panose="020B0604020202020204" pitchFamily="34" charset="0"/>
+        <a:buFont typeface="Arial" panose="020B0604020202090204" pitchFamily="34" charset="0"/>
         <a:buChar char="•"/>
         <a:defRPr sz="1800" kern="1200">
           <a:solidFill>
@@ -4320,7 +3718,7 @@
         <a:spcBef>
           <a:spcPts val="500"/>
         </a:spcBef>
-        <a:buFont typeface="Arial" panose="020B0604020202020204" pitchFamily="34" charset="0"/>
+        <a:buFont typeface="Arial" panose="020B0604020202090204" pitchFamily="34" charset="0"/>
         <a:buChar char="•"/>
         <a:defRPr sz="1800" kern="1200">
           <a:solidFill>
@@ -4338,7 +3736,7 @@
         <a:spcBef>
           <a:spcPts val="500"/>
         </a:spcBef>
-        <a:buFont typeface="Arial" panose="020B0604020202020204" pitchFamily="34" charset="0"/>
+        <a:buFont typeface="Arial" panose="020B0604020202090204" pitchFamily="34" charset="0"/>
         <a:buChar char="•"/>
         <a:defRPr sz="1800" kern="1200">
           <a:solidFill>
@@ -4356,7 +3754,7 @@
         <a:spcBef>
           <a:spcPts val="500"/>
         </a:spcBef>
-        <a:buFont typeface="Arial" panose="020B0604020202020204" pitchFamily="34" charset="0"/>
+        <a:buFont typeface="Arial" panose="020B0604020202090204" pitchFamily="34" charset="0"/>
         <a:buChar char="•"/>
         <a:defRPr sz="1800" kern="1200">
           <a:solidFill>
@@ -4374,7 +3772,7 @@
         <a:spcBef>
           <a:spcPts val="500"/>
         </a:spcBef>
-        <a:buFont typeface="Arial" panose="020B0604020202020204" pitchFamily="34" charset="0"/>
+        <a:buFont typeface="Arial" panose="020B0604020202090204" pitchFamily="34" charset="0"/>
         <a:buChar char="•"/>
         <a:defRPr sz="1800" kern="1200">
           <a:solidFill>
@@ -4392,7 +3790,7 @@
         <a:spcBef>
           <a:spcPts val="500"/>
         </a:spcBef>
-        <a:buFont typeface="Arial" panose="020B0604020202020204" pitchFamily="34" charset="0"/>
+        <a:buFont typeface="Arial" panose="020B0604020202090204" pitchFamily="34" charset="0"/>
         <a:buChar char="•"/>
         <a:defRPr sz="1800" kern="1200">
           <a:solidFill>
@@ -4406,7 +3804,7 @@
     </p:bodyStyle>
     <p:otherStyle>
       <a:defPPr>
-        <a:defRPr lang="en-CN"/>
+        <a:defRPr lang="en-US"/>
       </a:defPPr>
       <a:lvl1pPr marL="0" algn="l" defTabSz="914400" rtl="0" eaLnBrk="1" latinLnBrk="0" hangingPunct="1">
         <a:defRPr sz="1800" kern="1200">
@@ -4522,21 +3920,9 @@
       </p:grpSpPr>
       <p:graphicFrame>
         <p:nvGraphicFramePr>
-          <p:cNvPr id="6" name="图表 5">
-            <a:extLst>
-              <a:ext uri="{FF2B5EF4-FFF2-40B4-BE49-F238E27FC236}">
-                <a16:creationId xmlns:a16="http://schemas.microsoft.com/office/drawing/2014/main" id="{70260FE8-D997-314F-B671-401A8A8FA7C0}"/>
-              </a:ext>
-            </a:extLst>
-          </p:cNvPr>
+          <p:cNvPr id="6" name="图表 5"/>
           <p:cNvGraphicFramePr/>
-          <p:nvPr>
-            <p:extLst>
-              <p:ext uri="{D42A27DB-BD31-4B8C-83A1-F6EECF244321}">
-                <p14:modId xmlns:p14="http://schemas.microsoft.com/office/powerpoint/2010/main" val="684630947"/>
-              </p:ext>
-            </p:extLst>
-          </p:nvPr>
+          <p:nvPr/>
         </p:nvGraphicFramePr>
         <p:xfrm>
           <a:off x="293914" y="163286"/>
@@ -4544,21 +3930,82 @@
         </p:xfrm>
         <a:graphic>
           <a:graphicData uri="http://schemas.openxmlformats.org/drawingml/2006/chart">
-            <c:chart xmlns:c="http://schemas.openxmlformats.org/drawingml/2006/chart" xmlns:r="http://schemas.openxmlformats.org/officeDocument/2006/relationships" r:id="rId2"/>
+            <c:chart xmlns:c="http://schemas.openxmlformats.org/drawingml/2006/chart" xmlns:r="http://schemas.openxmlformats.org/officeDocument/2006/relationships" r:id="rId1"/>
           </a:graphicData>
         </a:graphic>
       </p:graphicFrame>
+      <p:sp>
+        <p:nvSpPr>
+          <p:cNvPr id="2" name="文本框 1"/>
+          <p:cNvSpPr txBox="1"/>
+          <p:nvPr/>
+        </p:nvSpPr>
+        <p:spPr>
+          <a:xfrm>
+            <a:off x="3263900" y="4214495"/>
+            <a:ext cx="4064000" cy="368300"/>
+          </a:xfrm>
+          <a:prstGeom prst="rect">
+            <a:avLst/>
+          </a:prstGeom>
+          <a:noFill/>
+        </p:spPr>
+        <p:txBody>
+          <a:bodyPr wrap="square" rtlCol="0">
+            <a:spAutoFit/>
+            <a:scene3d>
+              <a:camera prst="orthographicFront"/>
+              <a:lightRig rig="threePt" dir="t"/>
+            </a:scene3d>
+          </a:bodyPr>
+          <a:p>
+            <a:pPr algn="ctr"/>
+            <a:r>
+              <a:rPr lang="zh-CN" altLang="en-US">
+                <a:ln/>
+                <a:solidFill>
+                  <a:schemeClr val="accent1"/>
+                </a:solidFill>
+                <a:effectLst>
+                  <a:outerShdw blurRad="38100" dist="25400" dir="5400000" algn="ctr" rotWithShape="0">
+                    <a:srgbClr val="6E747A">
+                      <a:alpha val="43000"/>
+                      <a:alpha val="43000"/>
+                    </a:srgbClr>
+                  </a:outerShdw>
+                </a:effectLst>
+              </a:rPr>
+              <a:t>单位：μs</a:t>
+            </a:r>
+            <a:endParaRPr lang="zh-CN" altLang="en-US">
+              <a:ln/>
+              <a:solidFill>
+                <a:schemeClr val="accent1"/>
+              </a:solidFill>
+              <a:effectLst>
+                <a:outerShdw blurRad="38100" dist="25400" dir="5400000" algn="ctr" rotWithShape="0">
+                  <a:srgbClr val="6E747A">
+                    <a:alpha val="43000"/>
+                    <a:alpha val="43000"/>
+                  </a:srgbClr>
+                </a:outerShdw>
+              </a:effectLst>
+            </a:endParaRPr>
+          </a:p>
+        </p:txBody>
+      </p:sp>
     </p:spTree>
-    <p:extLst>
-      <p:ext uri="{BB962C8B-B14F-4D97-AF65-F5344CB8AC3E}">
-        <p14:creationId xmlns:p14="http://schemas.microsoft.com/office/powerpoint/2010/main" val="3280065985"/>
-      </p:ext>
-    </p:extLst>
   </p:cSld>
   <p:clrMapOvr>
     <a:masterClrMapping/>
   </p:clrMapOvr>
 </p:sld>
+</file>
+
+<file path=ppt/tags/tag1.xml><?xml version="1.0" encoding="utf-8"?>
+<p:tagLst xmlns:p="http://schemas.openxmlformats.org/presentationml/2006/main">
+  <p:tag name="commondata" val="eyJoZGlkIjoiOGI2YWVhZjQzOWMxNTNjOTRhMTg5NWJjNDljZjBiYjQifQ=="/>
+</p:tagLst>
 </file>
 
 <file path=ppt/theme/theme1.xml><?xml version="1.0" encoding="utf-8"?>
@@ -4604,7 +4051,7 @@
     </a:clrScheme>
     <a:fontScheme name="Office">
       <a:majorFont>
-        <a:latin typeface="Calibri Light" panose="020F0302020204030204"/>
+        <a:latin typeface="Calibri Light"/>
         <a:ea typeface=""/>
         <a:cs typeface=""/>
         <a:font script="Jpan" typeface="游ゴシック Light"/>
@@ -4637,26 +4084,9 @@
         <a:font script="Viet" typeface="Times New Roman"/>
         <a:font script="Uigh" typeface="Microsoft Uighur"/>
         <a:font script="Geor" typeface="Sylfaen"/>
-        <a:font script="Armn" typeface="Arial"/>
-        <a:font script="Bugi" typeface="Leelawadee UI"/>
-        <a:font script="Bopo" typeface="Microsoft JhengHei"/>
-        <a:font script="Java" typeface="Javanese Text"/>
-        <a:font script="Lisu" typeface="Segoe UI"/>
-        <a:font script="Mymr" typeface="Myanmar Text"/>
-        <a:font script="Nkoo" typeface="Ebrima"/>
-        <a:font script="Olck" typeface="Nirmala UI"/>
-        <a:font script="Osma" typeface="Ebrima"/>
-        <a:font script="Phag" typeface="Phagspa"/>
-        <a:font script="Syrn" typeface="Estrangelo Edessa"/>
-        <a:font script="Syrj" typeface="Estrangelo Edessa"/>
-        <a:font script="Syre" typeface="Estrangelo Edessa"/>
-        <a:font script="Sora" typeface="Nirmala UI"/>
-        <a:font script="Tale" typeface="Microsoft Tai Le"/>
-        <a:font script="Talu" typeface="Microsoft New Tai Lue"/>
-        <a:font script="Tfng" typeface="Ebrima"/>
       </a:majorFont>
       <a:minorFont>
-        <a:latin typeface="Calibri" panose="020F0502020204030204"/>
+        <a:latin typeface="Calibri"/>
         <a:ea typeface=""/>
         <a:cs typeface=""/>
         <a:font script="Jpan" typeface="游ゴシック"/>
@@ -4689,23 +4119,6 @@
         <a:font script="Viet" typeface="Arial"/>
         <a:font script="Uigh" typeface="Microsoft Uighur"/>
         <a:font script="Geor" typeface="Sylfaen"/>
-        <a:font script="Armn" typeface="Arial"/>
-        <a:font script="Bugi" typeface="Leelawadee UI"/>
-        <a:font script="Bopo" typeface="Microsoft JhengHei"/>
-        <a:font script="Java" typeface="Javanese Text"/>
-        <a:font script="Lisu" typeface="Segoe UI"/>
-        <a:font script="Mymr" typeface="Myanmar Text"/>
-        <a:font script="Nkoo" typeface="Ebrima"/>
-        <a:font script="Olck" typeface="Nirmala UI"/>
-        <a:font script="Osma" typeface="Ebrima"/>
-        <a:font script="Phag" typeface="Phagspa"/>
-        <a:font script="Syrn" typeface="Estrangelo Edessa"/>
-        <a:font script="Syrj" typeface="Estrangelo Edessa"/>
-        <a:font script="Syre" typeface="Estrangelo Edessa"/>
-        <a:font script="Sora" typeface="Nirmala UI"/>
-        <a:font script="Tale" typeface="Microsoft Tai Le"/>
-        <a:font script="Talu" typeface="Microsoft New Tai Lue"/>
-        <a:font script="Tfng" typeface="Ebrima"/>
       </a:minorFont>
     </a:fontScheme>
     <a:fmtScheme name="Office">
@@ -4846,8 +4259,6 @@
       </a:bgFillStyleLst>
     </a:fmtScheme>
   </a:themeElements>
-  <a:objectDefaults/>
-  <a:extraClrSchemeLst/>
   <a:extLst>
     <a:ext uri="{05A4C25C-085E-4340-85A3-A5531E510DB2}">
       <thm15:themeFamily xmlns:thm15="http://schemas.microsoft.com/office/thememl/2012/main" name="Office Theme" id="{62F939B6-93AF-4DB8-9C6B-D6C7DFDC589F}" vid="{4A3C46E8-61CC-4603-A589-7422A47A8E4A}"/>
